--- a/lectures/day3.pptx
+++ b/lectures/day3.pptx
@@ -5,7 +5,7 @@
     <p:sldMasterId id="2147483648" r:id="rId1"/>
   </p:sldMasterIdLst>
   <p:notesMasterIdLst>
-    <p:notesMasterId r:id="rId36"/>
+    <p:notesMasterId r:id="rId38"/>
   </p:notesMasterIdLst>
   <p:sldIdLst>
     <p:sldId id="256" r:id="rId2"/>
@@ -27,21 +27,23 @@
     <p:sldId id="290" r:id="rId18"/>
     <p:sldId id="303" r:id="rId19"/>
     <p:sldId id="291" r:id="rId20"/>
-    <p:sldId id="304" r:id="rId21"/>
-    <p:sldId id="305" r:id="rId22"/>
-    <p:sldId id="279" r:id="rId23"/>
-    <p:sldId id="270" r:id="rId24"/>
-    <p:sldId id="289" r:id="rId25"/>
-    <p:sldId id="272" r:id="rId26"/>
-    <p:sldId id="280" r:id="rId27"/>
-    <p:sldId id="273" r:id="rId28"/>
-    <p:sldId id="271" r:id="rId29"/>
-    <p:sldId id="276" r:id="rId30"/>
-    <p:sldId id="275" r:id="rId31"/>
-    <p:sldId id="306" r:id="rId32"/>
-    <p:sldId id="277" r:id="rId33"/>
-    <p:sldId id="300" r:id="rId34"/>
-    <p:sldId id="301" r:id="rId35"/>
+    <p:sldId id="308" r:id="rId21"/>
+    <p:sldId id="307" r:id="rId22"/>
+    <p:sldId id="304" r:id="rId23"/>
+    <p:sldId id="305" r:id="rId24"/>
+    <p:sldId id="279" r:id="rId25"/>
+    <p:sldId id="309" r:id="rId26"/>
+    <p:sldId id="270" r:id="rId27"/>
+    <p:sldId id="272" r:id="rId28"/>
+    <p:sldId id="280" r:id="rId29"/>
+    <p:sldId id="273" r:id="rId30"/>
+    <p:sldId id="271" r:id="rId31"/>
+    <p:sldId id="276" r:id="rId32"/>
+    <p:sldId id="275" r:id="rId33"/>
+    <p:sldId id="306" r:id="rId34"/>
+    <p:sldId id="277" r:id="rId35"/>
+    <p:sldId id="300" r:id="rId36"/>
+    <p:sldId id="301" r:id="rId37"/>
   </p:sldIdLst>
   <p:sldSz cx="9144000" cy="6858000" type="screen4x3"/>
   <p:notesSz cx="6858000" cy="9144000"/>
@@ -670,7 +672,7 @@
           <a:p>
             <a:fld id="{AB21FFB6-8403-4E42-9EBD-C4DD6B67E132}" type="slidenum">
               <a:rPr lang="en-US" smtClean="0"/>
-              <a:t>31</a:t>
+              <a:t>33</a:t>
             </a:fld>
             <a:endParaRPr lang="en-US"/>
           </a:p>
@@ -778,7 +780,7 @@
           <a:p>
             <a:fld id="{AB21FFB6-8403-4E42-9EBD-C4DD6B67E132}" type="slidenum">
               <a:rPr lang="en-US" smtClean="0"/>
-              <a:t>32</a:t>
+              <a:t>34</a:t>
             </a:fld>
             <a:endParaRPr lang="en-US"/>
           </a:p>
@@ -1606,7 +1608,7 @@
           <a:p>
             <a:fld id="{AB21FFB6-8403-4E42-9EBD-C4DD6B67E132}" type="slidenum">
               <a:rPr lang="en-US" smtClean="0"/>
-              <a:t>28</a:t>
+              <a:t>30</a:t>
             </a:fld>
             <a:endParaRPr lang="en-US"/>
           </a:p>
@@ -4935,8 +4937,8 @@
         </p:nvSpPr>
         <p:spPr>
           <a:xfrm rot="5400000">
-            <a:off x="4267450" y="990970"/>
-            <a:ext cx="634949" cy="869833"/>
+            <a:off x="4450199" y="1032599"/>
+            <a:ext cx="269450" cy="869833"/>
           </a:xfrm>
           <a:prstGeom prst="leftBrace">
             <a:avLst>
@@ -12386,148 +12388,6 @@
           </a:fontRef>
         </p:style>
       </p:cxnSp>
-      <p:cxnSp>
-        <p:nvCxnSpPr>
-          <p:cNvPr id="4" name="Straight Arrow Connector 3"/>
-          <p:cNvCxnSpPr/>
-          <p:nvPr/>
-        </p:nvCxnSpPr>
-        <p:spPr>
-          <a:xfrm>
-            <a:off x="6615976" y="1439902"/>
-            <a:ext cx="0" cy="3312216"/>
-          </a:xfrm>
-          <a:prstGeom prst="straightConnector1">
-            <a:avLst/>
-          </a:prstGeom>
-          <a:ln w="57150" cmpd="sng">
-            <a:solidFill>
-              <a:srgbClr val="008000"/>
-            </a:solidFill>
-            <a:headEnd type="arrow"/>
-            <a:tailEnd type="arrow"/>
-          </a:ln>
-        </p:spPr>
-        <p:style>
-          <a:lnRef idx="2">
-            <a:schemeClr val="accent1"/>
-          </a:lnRef>
-          <a:fillRef idx="0">
-            <a:schemeClr val="accent1"/>
-          </a:fillRef>
-          <a:effectRef idx="1">
-            <a:schemeClr val="accent1"/>
-          </a:effectRef>
-          <a:fontRef idx="minor">
-            <a:schemeClr val="tx1"/>
-          </a:fontRef>
-        </p:style>
-      </p:cxnSp>
-      <p:cxnSp>
-        <p:nvCxnSpPr>
-          <p:cNvPr id="51" name="Straight Arrow Connector 50"/>
-          <p:cNvCxnSpPr/>
-          <p:nvPr/>
-        </p:nvCxnSpPr>
-        <p:spPr>
-          <a:xfrm>
-            <a:off x="2457018" y="3098434"/>
-            <a:ext cx="0" cy="2038021"/>
-          </a:xfrm>
-          <a:prstGeom prst="straightConnector1">
-            <a:avLst/>
-          </a:prstGeom>
-          <a:ln w="57150" cmpd="sng">
-            <a:solidFill>
-              <a:srgbClr val="008000"/>
-            </a:solidFill>
-            <a:headEnd type="arrow"/>
-            <a:tailEnd type="arrow"/>
-          </a:ln>
-        </p:spPr>
-        <p:style>
-          <a:lnRef idx="2">
-            <a:schemeClr val="accent1"/>
-          </a:lnRef>
-          <a:fillRef idx="0">
-            <a:schemeClr val="accent1"/>
-          </a:fillRef>
-          <a:effectRef idx="1">
-            <a:schemeClr val="accent1"/>
-          </a:effectRef>
-          <a:fontRef idx="minor">
-            <a:schemeClr val="tx1"/>
-          </a:fontRef>
-        </p:style>
-      </p:cxnSp>
-      <p:sp>
-        <p:nvSpPr>
-          <p:cNvPr id="52" name="TextBox 51"/>
-          <p:cNvSpPr txBox="1"/>
-          <p:nvPr/>
-        </p:nvSpPr>
-        <p:spPr>
-          <a:xfrm rot="16200000">
-            <a:off x="1091134" y="3788466"/>
-            <a:ext cx="1894469" cy="584776"/>
-          </a:xfrm>
-          <a:prstGeom prst="rect">
-            <a:avLst/>
-          </a:prstGeom>
-          <a:noFill/>
-        </p:spPr>
-        <p:txBody>
-          <a:bodyPr wrap="none" rtlCol="0">
-            <a:spAutoFit/>
-          </a:bodyPr>
-          <a:lstStyle/>
-          <a:p>
-            <a:r>
-              <a:rPr lang="en-US" sz="3200" dirty="0"/>
-              <a:t>v</a:t>
-            </a:r>
-            <a:r>
-              <a:rPr lang="en-US" sz="3200" dirty="0" smtClean="0"/>
-              <a:t>ariance 1</a:t>
-            </a:r>
-            <a:endParaRPr lang="en-US" sz="3200" dirty="0"/>
-          </a:p>
-        </p:txBody>
-      </p:sp>
-      <p:sp>
-        <p:nvSpPr>
-          <p:cNvPr id="53" name="TextBox 52"/>
-          <p:cNvSpPr txBox="1"/>
-          <p:nvPr/>
-        </p:nvSpPr>
-        <p:spPr>
-          <a:xfrm rot="16200000">
-            <a:off x="5910466" y="2709567"/>
-            <a:ext cx="1894469" cy="584776"/>
-          </a:xfrm>
-          <a:prstGeom prst="rect">
-            <a:avLst/>
-          </a:prstGeom>
-          <a:noFill/>
-        </p:spPr>
-        <p:txBody>
-          <a:bodyPr wrap="none" rtlCol="0">
-            <a:spAutoFit/>
-          </a:bodyPr>
-          <a:lstStyle/>
-          <a:p>
-            <a:r>
-              <a:rPr lang="en-US" sz="3200" dirty="0"/>
-              <a:t>v</a:t>
-            </a:r>
-            <a:r>
-              <a:rPr lang="en-US" sz="3200" dirty="0" smtClean="0"/>
-              <a:t>ariance 2</a:t>
-            </a:r>
-            <a:endParaRPr lang="en-US" sz="3200" dirty="0"/>
-          </a:p>
-        </p:txBody>
-      </p:sp>
     </p:spTree>
     <p:extLst>
       <p:ext uri="{BB962C8B-B14F-4D97-AF65-F5344CB8AC3E}">
@@ -12672,27 +12532,1414 @@
                       </p:childTnLst>
                     </p:cTn>
                   </p:par>
+                </p:childTnLst>
+              </p:cTn>
+              <p:prevCondLst>
+                <p:cond evt="onPrev" delay="0">
+                  <p:tgtEl>
+                    <p:sldTgt/>
+                  </p:tgtEl>
+                </p:cond>
+              </p:prevCondLst>
+              <p:nextCondLst>
+                <p:cond evt="onNext" delay="0">
+                  <p:tgtEl>
+                    <p:sldTgt/>
+                  </p:tgtEl>
+                </p:cond>
+              </p:nextCondLst>
+            </p:seq>
+          </p:childTnLst>
+        </p:cTn>
+      </p:par>
+    </p:tnLst>
+    <p:bldLst>
+      <p:bldP spid="29" grpId="0"/>
+      <p:bldP spid="30" grpId="0"/>
+    </p:bldLst>
+  </p:timing>
+</p:sld>
+</file>
+
+<file path=ppt/slides/slide2.xml><?xml version="1.0" encoding="utf-8"?>
+<p:sld xmlns:a="http://schemas.openxmlformats.org/drawingml/2006/main" xmlns:r="http://schemas.openxmlformats.org/officeDocument/2006/relationships" xmlns:p="http://schemas.openxmlformats.org/presentationml/2006/main">
+  <p:cSld>
+    <p:spTree>
+      <p:nvGrpSpPr>
+        <p:cNvPr id="1" name=""/>
+        <p:cNvGrpSpPr/>
+        <p:nvPr/>
+      </p:nvGrpSpPr>
+      <p:grpSpPr>
+        <a:xfrm>
+          <a:off x="0" y="0"/>
+          <a:ext cx="0" cy="0"/>
+          <a:chOff x="0" y="0"/>
+          <a:chExt cx="0" cy="0"/>
+        </a:xfrm>
+      </p:grpSpPr>
+      <p:sp>
+        <p:nvSpPr>
+          <p:cNvPr id="2" name="Title 1"/>
+          <p:cNvSpPr>
+            <a:spLocks noGrp="1"/>
+          </p:cNvSpPr>
+          <p:nvPr>
+            <p:ph type="title"/>
+          </p:nvPr>
+        </p:nvSpPr>
+        <p:spPr>
+          <a:xfrm>
+            <a:off x="457200" y="2643278"/>
+            <a:ext cx="8229600" cy="1143000"/>
+          </a:xfrm>
+        </p:spPr>
+        <p:txBody>
+          <a:bodyPr/>
+          <a:lstStyle/>
+          <a:p>
+            <a:r>
+              <a:rPr lang="en-US" dirty="0" smtClean="0"/>
+              <a:t>You have a hunch</a:t>
+            </a:r>
+            <a:endParaRPr lang="en-US" dirty="0"/>
+          </a:p>
+        </p:txBody>
+      </p:sp>
+    </p:spTree>
+    <p:extLst>
+      <p:ext uri="{BB962C8B-B14F-4D97-AF65-F5344CB8AC3E}">
+        <p14:creationId xmlns:p14="http://schemas.microsoft.com/office/powerpoint/2010/main" val="833122530"/>
+      </p:ext>
+    </p:extLst>
+  </p:cSld>
+  <p:clrMapOvr>
+    <a:masterClrMapping/>
+  </p:clrMapOvr>
+  <p:timing>
+    <p:tnLst>
+      <p:par>
+        <p:cTn xmlns:p14="http://schemas.microsoft.com/office/powerpoint/2010/main" id="1" dur="indefinite" restart="never" nodeType="tmRoot"/>
+      </p:par>
+    </p:tnLst>
+  </p:timing>
+</p:sld>
+</file>
+
+<file path=ppt/slides/slide20.xml><?xml version="1.0" encoding="utf-8"?>
+<p:sld xmlns:a="http://schemas.openxmlformats.org/drawingml/2006/main" xmlns:r="http://schemas.openxmlformats.org/officeDocument/2006/relationships" xmlns:p="http://schemas.openxmlformats.org/presentationml/2006/main">
+  <p:cSld>
+    <p:spTree>
+      <p:nvGrpSpPr>
+        <p:cNvPr id="1" name=""/>
+        <p:cNvGrpSpPr/>
+        <p:nvPr/>
+      </p:nvGrpSpPr>
+      <p:grpSpPr>
+        <a:xfrm>
+          <a:off x="0" y="0"/>
+          <a:ext cx="0" cy="0"/>
+          <a:chOff x="0" y="0"/>
+          <a:chExt cx="0" cy="0"/>
+        </a:xfrm>
+      </p:grpSpPr>
+      <p:sp>
+        <p:nvSpPr>
+          <p:cNvPr id="38" name="TextBox 37"/>
+          <p:cNvSpPr txBox="1"/>
+          <p:nvPr/>
+        </p:nvSpPr>
+        <p:spPr>
+          <a:xfrm>
+            <a:off x="5138331" y="5839986"/>
+            <a:ext cx="1746592" cy="707886"/>
+          </a:xfrm>
+          <a:prstGeom prst="rect">
+            <a:avLst/>
+          </a:prstGeom>
+          <a:noFill/>
+        </p:spPr>
+        <p:txBody>
+          <a:bodyPr wrap="none" rtlCol="0">
+            <a:spAutoFit/>
+          </a:bodyPr>
+          <a:lstStyle/>
+          <a:p>
+            <a:r>
+              <a:rPr lang="en-US" sz="4000" dirty="0" smtClean="0"/>
+              <a:t>McCain</a:t>
+            </a:r>
+            <a:endParaRPr lang="en-US" sz="4000" dirty="0"/>
+          </a:p>
+        </p:txBody>
+      </p:sp>
+      <p:sp>
+        <p:nvSpPr>
+          <p:cNvPr id="39" name="TextBox 38"/>
+          <p:cNvSpPr txBox="1"/>
+          <p:nvPr/>
+        </p:nvSpPr>
+        <p:spPr>
+          <a:xfrm>
+            <a:off x="2201433" y="5839986"/>
+            <a:ext cx="1694995" cy="707886"/>
+          </a:xfrm>
+          <a:prstGeom prst="rect">
+            <a:avLst/>
+          </a:prstGeom>
+          <a:noFill/>
+        </p:spPr>
+        <p:txBody>
+          <a:bodyPr wrap="none" rtlCol="0">
+            <a:spAutoFit/>
+          </a:bodyPr>
+          <a:lstStyle/>
+          <a:p>
+            <a:r>
+              <a:rPr lang="en-US" sz="4000" dirty="0" smtClean="0"/>
+              <a:t>Obama</a:t>
+            </a:r>
+            <a:endParaRPr lang="en-US" sz="4000" dirty="0"/>
+          </a:p>
+        </p:txBody>
+      </p:sp>
+      <p:cxnSp>
+        <p:nvCxnSpPr>
+          <p:cNvPr id="3" name="Straight Connector 2"/>
+          <p:cNvCxnSpPr/>
+          <p:nvPr/>
+        </p:nvCxnSpPr>
+        <p:spPr>
+          <a:xfrm flipV="1">
+            <a:off x="3343977" y="4154209"/>
+            <a:ext cx="1348955" cy="1"/>
+          </a:xfrm>
+          <a:prstGeom prst="line">
+            <a:avLst/>
+          </a:prstGeom>
+          <a:ln w="57150" cmpd="sng">
+            <a:solidFill>
+              <a:srgbClr val="008000"/>
+            </a:solidFill>
+          </a:ln>
+        </p:spPr>
+        <p:style>
+          <a:lnRef idx="2">
+            <a:schemeClr val="accent1"/>
+          </a:lnRef>
+          <a:fillRef idx="0">
+            <a:schemeClr val="accent1"/>
+          </a:fillRef>
+          <a:effectRef idx="1">
+            <a:schemeClr val="accent1"/>
+          </a:effectRef>
+          <a:fontRef idx="minor">
+            <a:schemeClr val="tx1"/>
+          </a:fontRef>
+        </p:style>
+      </p:cxnSp>
+      <p:cxnSp>
+        <p:nvCxnSpPr>
+          <p:cNvPr id="28" name="Straight Connector 27"/>
+          <p:cNvCxnSpPr/>
+          <p:nvPr/>
+        </p:nvCxnSpPr>
+        <p:spPr>
+          <a:xfrm>
+            <a:off x="4429875" y="3278663"/>
+            <a:ext cx="1282258" cy="0"/>
+          </a:xfrm>
+          <a:prstGeom prst="line">
+            <a:avLst/>
+          </a:prstGeom>
+          <a:ln w="57150" cmpd="sng">
+            <a:solidFill>
+              <a:srgbClr val="008000"/>
+            </a:solidFill>
+          </a:ln>
+        </p:spPr>
+        <p:style>
+          <a:lnRef idx="2">
+            <a:schemeClr val="accent1"/>
+          </a:lnRef>
+          <a:fillRef idx="0">
+            <a:schemeClr val="accent1"/>
+          </a:fillRef>
+          <a:effectRef idx="1">
+            <a:schemeClr val="accent1"/>
+          </a:effectRef>
+          <a:fontRef idx="minor">
+            <a:schemeClr val="tx1"/>
+          </a:fontRef>
+        </p:style>
+      </p:cxnSp>
+      <p:sp>
+        <p:nvSpPr>
+          <p:cNvPr id="29" name="TextBox 28"/>
+          <p:cNvSpPr txBox="1"/>
+          <p:nvPr/>
+        </p:nvSpPr>
+        <p:spPr>
+          <a:xfrm>
+            <a:off x="3391011" y="3645821"/>
+            <a:ext cx="967733" cy="584776"/>
+          </a:xfrm>
+          <a:prstGeom prst="rect">
+            <a:avLst/>
+          </a:prstGeom>
+          <a:noFill/>
+        </p:spPr>
+        <p:txBody>
+          <a:bodyPr wrap="none" rtlCol="0">
+            <a:spAutoFit/>
+          </a:bodyPr>
+          <a:lstStyle/>
+          <a:p>
+            <a:r>
+              <a:rPr lang="en-US" sz="3200" dirty="0" smtClean="0"/>
+              <a:t>avg1</a:t>
+            </a:r>
+            <a:endParaRPr lang="en-US" sz="3200" dirty="0"/>
+          </a:p>
+        </p:txBody>
+      </p:sp>
+      <p:sp>
+        <p:nvSpPr>
+          <p:cNvPr id="30" name="TextBox 29"/>
+          <p:cNvSpPr txBox="1"/>
+          <p:nvPr/>
+        </p:nvSpPr>
+        <p:spPr>
+          <a:xfrm>
+            <a:off x="4742539" y="2761461"/>
+            <a:ext cx="967733" cy="584776"/>
+          </a:xfrm>
+          <a:prstGeom prst="rect">
+            <a:avLst/>
+          </a:prstGeom>
+          <a:noFill/>
+        </p:spPr>
+        <p:txBody>
+          <a:bodyPr wrap="none" rtlCol="0">
+            <a:spAutoFit/>
+          </a:bodyPr>
+          <a:lstStyle/>
+          <a:p>
+            <a:r>
+              <a:rPr lang="en-US" sz="3200" dirty="0" smtClean="0"/>
+              <a:t>avg2</a:t>
+            </a:r>
+            <a:endParaRPr lang="en-US" sz="3200" dirty="0"/>
+          </a:p>
+        </p:txBody>
+      </p:sp>
+      <p:sp>
+        <p:nvSpPr>
+          <p:cNvPr id="2" name="Right Brace 1"/>
+          <p:cNvSpPr/>
+          <p:nvPr/>
+        </p:nvSpPr>
+        <p:spPr>
+          <a:xfrm>
+            <a:off x="6010015" y="3278663"/>
+            <a:ext cx="229703" cy="875546"/>
+          </a:xfrm>
+          <a:prstGeom prst="rightBrace">
+            <a:avLst/>
+          </a:prstGeom>
+          <a:ln w="57150" cmpd="sng"/>
+        </p:spPr>
+        <p:style>
+          <a:lnRef idx="2">
+            <a:schemeClr val="accent1"/>
+          </a:lnRef>
+          <a:fillRef idx="0">
+            <a:schemeClr val="accent1"/>
+          </a:fillRef>
+          <a:effectRef idx="1">
+            <a:schemeClr val="accent1"/>
+          </a:effectRef>
+          <a:fontRef idx="minor">
+            <a:schemeClr val="tx1"/>
+          </a:fontRef>
+        </p:style>
+        <p:txBody>
+          <a:bodyPr rtlCol="0" anchor="ctr"/>
+          <a:lstStyle/>
+          <a:p>
+            <a:pPr algn="ctr"/>
+            <a:endParaRPr lang="en-US"/>
+          </a:p>
+        </p:txBody>
+      </p:sp>
+      <p:sp>
+        <p:nvSpPr>
+          <p:cNvPr id="27" name="TextBox 26"/>
+          <p:cNvSpPr txBox="1"/>
+          <p:nvPr/>
+        </p:nvSpPr>
+        <p:spPr>
+          <a:xfrm>
+            <a:off x="6356813" y="3348898"/>
+            <a:ext cx="2305639" cy="707886"/>
+          </a:xfrm>
+          <a:prstGeom prst="rect">
+            <a:avLst/>
+          </a:prstGeom>
+          <a:noFill/>
+        </p:spPr>
+        <p:txBody>
+          <a:bodyPr wrap="none" rtlCol="0">
+            <a:spAutoFit/>
+          </a:bodyPr>
+          <a:lstStyle/>
+          <a:p>
+            <a:r>
+              <a:rPr lang="en-US" sz="4000" dirty="0" smtClean="0"/>
+              <a:t>Effect Size</a:t>
+            </a:r>
+            <a:endParaRPr lang="en-US" sz="4000" dirty="0"/>
+          </a:p>
+        </p:txBody>
+      </p:sp>
+    </p:spTree>
+    <p:extLst>
+      <p:ext uri="{BB962C8B-B14F-4D97-AF65-F5344CB8AC3E}">
+        <p14:creationId xmlns:p14="http://schemas.microsoft.com/office/powerpoint/2010/main" val="3941564118"/>
+      </p:ext>
+    </p:extLst>
+  </p:cSld>
+  <p:clrMapOvr>
+    <a:masterClrMapping/>
+  </p:clrMapOvr>
+  <p:timing>
+    <p:tnLst>
+      <p:par>
+        <p:cTn xmlns:p14="http://schemas.microsoft.com/office/powerpoint/2010/main" id="1" dur="indefinite" restart="never" nodeType="tmRoot"/>
+      </p:par>
+    </p:tnLst>
+  </p:timing>
+</p:sld>
+</file>
+
+<file path=ppt/slides/slide21.xml><?xml version="1.0" encoding="utf-8"?>
+<p:sld xmlns:a="http://schemas.openxmlformats.org/drawingml/2006/main" xmlns:r="http://schemas.openxmlformats.org/officeDocument/2006/relationships" xmlns:p="http://schemas.openxmlformats.org/presentationml/2006/main">
+  <p:cSld>
+    <p:spTree>
+      <p:nvGrpSpPr>
+        <p:cNvPr id="1" name=""/>
+        <p:cNvGrpSpPr/>
+        <p:nvPr/>
+      </p:nvGrpSpPr>
+      <p:grpSpPr>
+        <a:xfrm>
+          <a:off x="0" y="0"/>
+          <a:ext cx="0" cy="0"/>
+          <a:chOff x="0" y="0"/>
+          <a:chExt cx="0" cy="0"/>
+        </a:xfrm>
+      </p:grpSpPr>
+      <p:sp>
+        <p:nvSpPr>
+          <p:cNvPr id="38" name="TextBox 37"/>
+          <p:cNvSpPr txBox="1"/>
+          <p:nvPr/>
+        </p:nvSpPr>
+        <p:spPr>
+          <a:xfrm>
+            <a:off x="5138331" y="5839986"/>
+            <a:ext cx="1746592" cy="707886"/>
+          </a:xfrm>
+          <a:prstGeom prst="rect">
+            <a:avLst/>
+          </a:prstGeom>
+          <a:noFill/>
+        </p:spPr>
+        <p:txBody>
+          <a:bodyPr wrap="none" rtlCol="0">
+            <a:spAutoFit/>
+          </a:bodyPr>
+          <a:lstStyle/>
+          <a:p>
+            <a:r>
+              <a:rPr lang="en-US" sz="4000" dirty="0" smtClean="0"/>
+              <a:t>McCain</a:t>
+            </a:r>
+            <a:endParaRPr lang="en-US" sz="4000" dirty="0"/>
+          </a:p>
+        </p:txBody>
+      </p:sp>
+      <p:sp>
+        <p:nvSpPr>
+          <p:cNvPr id="39" name="TextBox 38"/>
+          <p:cNvSpPr txBox="1"/>
+          <p:nvPr/>
+        </p:nvSpPr>
+        <p:spPr>
+          <a:xfrm>
+            <a:off x="2201433" y="5839986"/>
+            <a:ext cx="1694995" cy="707886"/>
+          </a:xfrm>
+          <a:prstGeom prst="rect">
+            <a:avLst/>
+          </a:prstGeom>
+          <a:noFill/>
+        </p:spPr>
+        <p:txBody>
+          <a:bodyPr wrap="none" rtlCol="0">
+            <a:spAutoFit/>
+          </a:bodyPr>
+          <a:lstStyle/>
+          <a:p>
+            <a:r>
+              <a:rPr lang="en-US" sz="4000" dirty="0" smtClean="0"/>
+              <a:t>Obama</a:t>
+            </a:r>
+            <a:endParaRPr lang="en-US" sz="4000" dirty="0"/>
+          </a:p>
+        </p:txBody>
+      </p:sp>
+      <p:cxnSp>
+        <p:nvCxnSpPr>
+          <p:cNvPr id="3" name="Straight Connector 2"/>
+          <p:cNvCxnSpPr/>
+          <p:nvPr/>
+        </p:nvCxnSpPr>
+        <p:spPr>
+          <a:xfrm flipV="1">
+            <a:off x="3343977" y="4154209"/>
+            <a:ext cx="1348955" cy="1"/>
+          </a:xfrm>
+          <a:prstGeom prst="line">
+            <a:avLst/>
+          </a:prstGeom>
+          <a:ln w="57150" cmpd="sng">
+            <a:solidFill>
+              <a:srgbClr val="008000"/>
+            </a:solidFill>
+          </a:ln>
+        </p:spPr>
+        <p:style>
+          <a:lnRef idx="2">
+            <a:schemeClr val="accent1"/>
+          </a:lnRef>
+          <a:fillRef idx="0">
+            <a:schemeClr val="accent1"/>
+          </a:fillRef>
+          <a:effectRef idx="1">
+            <a:schemeClr val="accent1"/>
+          </a:effectRef>
+          <a:fontRef idx="minor">
+            <a:schemeClr val="tx1"/>
+          </a:fontRef>
+        </p:style>
+      </p:cxnSp>
+      <p:cxnSp>
+        <p:nvCxnSpPr>
+          <p:cNvPr id="28" name="Straight Connector 27"/>
+          <p:cNvCxnSpPr/>
+          <p:nvPr/>
+        </p:nvCxnSpPr>
+        <p:spPr>
+          <a:xfrm>
+            <a:off x="4429875" y="3278663"/>
+            <a:ext cx="1282258" cy="0"/>
+          </a:xfrm>
+          <a:prstGeom prst="line">
+            <a:avLst/>
+          </a:prstGeom>
+          <a:ln w="57150" cmpd="sng">
+            <a:solidFill>
+              <a:srgbClr val="008000"/>
+            </a:solidFill>
+          </a:ln>
+        </p:spPr>
+        <p:style>
+          <a:lnRef idx="2">
+            <a:schemeClr val="accent1"/>
+          </a:lnRef>
+          <a:fillRef idx="0">
+            <a:schemeClr val="accent1"/>
+          </a:fillRef>
+          <a:effectRef idx="1">
+            <a:schemeClr val="accent1"/>
+          </a:effectRef>
+          <a:fontRef idx="minor">
+            <a:schemeClr val="tx1"/>
+          </a:fontRef>
+        </p:style>
+      </p:cxnSp>
+      <p:sp>
+        <p:nvSpPr>
+          <p:cNvPr id="29" name="TextBox 28"/>
+          <p:cNvSpPr txBox="1"/>
+          <p:nvPr/>
+        </p:nvSpPr>
+        <p:spPr>
+          <a:xfrm>
+            <a:off x="3391011" y="3645821"/>
+            <a:ext cx="967733" cy="584776"/>
+          </a:xfrm>
+          <a:prstGeom prst="rect">
+            <a:avLst/>
+          </a:prstGeom>
+          <a:noFill/>
+        </p:spPr>
+        <p:txBody>
+          <a:bodyPr wrap="none" rtlCol="0">
+            <a:spAutoFit/>
+          </a:bodyPr>
+          <a:lstStyle/>
+          <a:p>
+            <a:r>
+              <a:rPr lang="en-US" sz="3200" dirty="0" smtClean="0"/>
+              <a:t>avg1</a:t>
+            </a:r>
+            <a:endParaRPr lang="en-US" sz="3200" dirty="0"/>
+          </a:p>
+        </p:txBody>
+      </p:sp>
+      <p:sp>
+        <p:nvSpPr>
+          <p:cNvPr id="30" name="TextBox 29"/>
+          <p:cNvSpPr txBox="1"/>
+          <p:nvPr/>
+        </p:nvSpPr>
+        <p:spPr>
+          <a:xfrm>
+            <a:off x="4742539" y="2761461"/>
+            <a:ext cx="967733" cy="584776"/>
+          </a:xfrm>
+          <a:prstGeom prst="rect">
+            <a:avLst/>
+          </a:prstGeom>
+          <a:noFill/>
+        </p:spPr>
+        <p:txBody>
+          <a:bodyPr wrap="none" rtlCol="0">
+            <a:spAutoFit/>
+          </a:bodyPr>
+          <a:lstStyle/>
+          <a:p>
+            <a:r>
+              <a:rPr lang="en-US" sz="3200" dirty="0" smtClean="0"/>
+              <a:t>avg2</a:t>
+            </a:r>
+            <a:endParaRPr lang="en-US" sz="3200" dirty="0"/>
+          </a:p>
+        </p:txBody>
+      </p:sp>
+      <p:cxnSp>
+        <p:nvCxnSpPr>
+          <p:cNvPr id="31" name="Straight Connector 30"/>
+          <p:cNvCxnSpPr/>
+          <p:nvPr/>
+        </p:nvCxnSpPr>
+        <p:spPr>
+          <a:xfrm rot="5400000" flipV="1">
+            <a:off x="6062799" y="3133989"/>
+            <a:ext cx="0" cy="638632"/>
+          </a:xfrm>
+          <a:prstGeom prst="line">
+            <a:avLst/>
+          </a:prstGeom>
+          <a:ln w="57150" cmpd="sng">
+            <a:solidFill>
+              <a:srgbClr val="FF0000"/>
+            </a:solidFill>
+          </a:ln>
+        </p:spPr>
+        <p:style>
+          <a:lnRef idx="2">
+            <a:schemeClr val="accent1"/>
+          </a:lnRef>
+          <a:fillRef idx="0">
+            <a:schemeClr val="accent1"/>
+          </a:fillRef>
+          <a:effectRef idx="1">
+            <a:schemeClr val="accent1"/>
+          </a:effectRef>
+          <a:fontRef idx="minor">
+            <a:schemeClr val="tx1"/>
+          </a:fontRef>
+        </p:style>
+      </p:cxnSp>
+      <p:cxnSp>
+        <p:nvCxnSpPr>
+          <p:cNvPr id="32" name="Straight Connector 31"/>
+          <p:cNvCxnSpPr/>
+          <p:nvPr/>
+        </p:nvCxnSpPr>
+        <p:spPr>
+          <a:xfrm rot="5400000" flipV="1">
+            <a:off x="6046269" y="3406577"/>
+            <a:ext cx="0" cy="638632"/>
+          </a:xfrm>
+          <a:prstGeom prst="line">
+            <a:avLst/>
+          </a:prstGeom>
+          <a:ln w="57150" cmpd="sng">
+            <a:solidFill>
+              <a:schemeClr val="accent1"/>
+            </a:solidFill>
+          </a:ln>
+        </p:spPr>
+        <p:style>
+          <a:lnRef idx="2">
+            <a:schemeClr val="accent1"/>
+          </a:lnRef>
+          <a:fillRef idx="0">
+            <a:schemeClr val="accent1"/>
+          </a:fillRef>
+          <a:effectRef idx="1">
+            <a:schemeClr val="accent1"/>
+          </a:effectRef>
+          <a:fontRef idx="minor">
+            <a:schemeClr val="tx1"/>
+          </a:fontRef>
+        </p:style>
+      </p:cxnSp>
+      <p:cxnSp>
+        <p:nvCxnSpPr>
+          <p:cNvPr id="33" name="Straight Connector 32"/>
+          <p:cNvCxnSpPr/>
+          <p:nvPr/>
+        </p:nvCxnSpPr>
+        <p:spPr>
+          <a:xfrm rot="5400000" flipV="1">
+            <a:off x="6046269" y="2154189"/>
+            <a:ext cx="0" cy="638632"/>
+          </a:xfrm>
+          <a:prstGeom prst="line">
+            <a:avLst/>
+          </a:prstGeom>
+          <a:ln w="57150" cmpd="sng">
+            <a:solidFill>
+              <a:schemeClr val="accent1"/>
+            </a:solidFill>
+          </a:ln>
+        </p:spPr>
+        <p:style>
+          <a:lnRef idx="2">
+            <a:schemeClr val="accent1"/>
+          </a:lnRef>
+          <a:fillRef idx="0">
+            <a:schemeClr val="accent1"/>
+          </a:fillRef>
+          <a:effectRef idx="1">
+            <a:schemeClr val="accent1"/>
+          </a:effectRef>
+          <a:fontRef idx="minor">
+            <a:schemeClr val="tx1"/>
+          </a:fontRef>
+        </p:style>
+      </p:cxnSp>
+      <p:cxnSp>
+        <p:nvCxnSpPr>
+          <p:cNvPr id="34" name="Straight Connector 33"/>
+          <p:cNvCxnSpPr/>
+          <p:nvPr/>
+        </p:nvCxnSpPr>
+        <p:spPr>
+          <a:xfrm rot="5400000" flipV="1">
+            <a:off x="6046269" y="4432802"/>
+            <a:ext cx="0" cy="638632"/>
+          </a:xfrm>
+          <a:prstGeom prst="line">
+            <a:avLst/>
+          </a:prstGeom>
+          <a:ln w="57150" cmpd="sng">
+            <a:solidFill>
+              <a:schemeClr val="accent1"/>
+            </a:solidFill>
+          </a:ln>
+        </p:spPr>
+        <p:style>
+          <a:lnRef idx="2">
+            <a:schemeClr val="accent1"/>
+          </a:lnRef>
+          <a:fillRef idx="0">
+            <a:schemeClr val="accent1"/>
+          </a:fillRef>
+          <a:effectRef idx="1">
+            <a:schemeClr val="accent1"/>
+          </a:effectRef>
+          <a:fontRef idx="minor">
+            <a:schemeClr val="tx1"/>
+          </a:fontRef>
+        </p:style>
+      </p:cxnSp>
+      <p:cxnSp>
+        <p:nvCxnSpPr>
+          <p:cNvPr id="35" name="Straight Connector 34"/>
+          <p:cNvCxnSpPr/>
+          <p:nvPr/>
+        </p:nvCxnSpPr>
+        <p:spPr>
+          <a:xfrm rot="5400000" flipV="1">
+            <a:off x="6046269" y="1120586"/>
+            <a:ext cx="0" cy="638632"/>
+          </a:xfrm>
+          <a:prstGeom prst="line">
+            <a:avLst/>
+          </a:prstGeom>
+          <a:ln w="57150" cmpd="sng">
+            <a:solidFill>
+              <a:schemeClr val="accent1"/>
+            </a:solidFill>
+          </a:ln>
+        </p:spPr>
+        <p:style>
+          <a:lnRef idx="2">
+            <a:schemeClr val="accent1"/>
+          </a:lnRef>
+          <a:fillRef idx="0">
+            <a:schemeClr val="accent1"/>
+          </a:fillRef>
+          <a:effectRef idx="1">
+            <a:schemeClr val="accent1"/>
+          </a:effectRef>
+          <a:fontRef idx="minor">
+            <a:schemeClr val="tx1"/>
+          </a:fontRef>
+        </p:style>
+      </p:cxnSp>
+      <p:cxnSp>
+        <p:nvCxnSpPr>
+          <p:cNvPr id="36" name="Straight Connector 35"/>
+          <p:cNvCxnSpPr/>
+          <p:nvPr/>
+        </p:nvCxnSpPr>
+        <p:spPr>
+          <a:xfrm flipH="1">
+            <a:off x="5726951" y="2473505"/>
+            <a:ext cx="2" cy="1252389"/>
+          </a:xfrm>
+          <a:prstGeom prst="line">
+            <a:avLst/>
+          </a:prstGeom>
+          <a:ln w="57150" cmpd="sng">
+            <a:solidFill>
+              <a:schemeClr val="accent1"/>
+            </a:solidFill>
+          </a:ln>
+        </p:spPr>
+        <p:style>
+          <a:lnRef idx="2">
+            <a:schemeClr val="accent1"/>
+          </a:lnRef>
+          <a:fillRef idx="0">
+            <a:schemeClr val="accent1"/>
+          </a:fillRef>
+          <a:effectRef idx="1">
+            <a:schemeClr val="accent1"/>
+          </a:effectRef>
+          <a:fontRef idx="minor">
+            <a:schemeClr val="tx1"/>
+          </a:fontRef>
+        </p:style>
+      </p:cxnSp>
+      <p:cxnSp>
+        <p:nvCxnSpPr>
+          <p:cNvPr id="37" name="Straight Connector 36"/>
+          <p:cNvCxnSpPr/>
+          <p:nvPr/>
+        </p:nvCxnSpPr>
+        <p:spPr>
+          <a:xfrm flipH="1">
+            <a:off x="6365577" y="2468550"/>
+            <a:ext cx="2" cy="1257343"/>
+          </a:xfrm>
+          <a:prstGeom prst="line">
+            <a:avLst/>
+          </a:prstGeom>
+          <a:ln w="57150" cmpd="sng">
+            <a:solidFill>
+              <a:schemeClr val="accent1"/>
+            </a:solidFill>
+          </a:ln>
+        </p:spPr>
+        <p:style>
+          <a:lnRef idx="2">
+            <a:schemeClr val="accent1"/>
+          </a:lnRef>
+          <a:fillRef idx="0">
+            <a:schemeClr val="accent1"/>
+          </a:fillRef>
+          <a:effectRef idx="1">
+            <a:schemeClr val="accent1"/>
+          </a:effectRef>
+          <a:fontRef idx="minor">
+            <a:schemeClr val="tx1"/>
+          </a:fontRef>
+        </p:style>
+      </p:cxnSp>
+      <p:cxnSp>
+        <p:nvCxnSpPr>
+          <p:cNvPr id="40" name="Straight Connector 39"/>
+          <p:cNvCxnSpPr/>
+          <p:nvPr/>
+        </p:nvCxnSpPr>
+        <p:spPr>
+          <a:xfrm rot="5400000">
+            <a:off x="5528653" y="1954226"/>
+            <a:ext cx="1028648" cy="0"/>
+          </a:xfrm>
+          <a:prstGeom prst="line">
+            <a:avLst/>
+          </a:prstGeom>
+          <a:ln w="57150" cmpd="sng">
+            <a:solidFill>
+              <a:schemeClr val="accent1"/>
+            </a:solidFill>
+          </a:ln>
+        </p:spPr>
+        <p:style>
+          <a:lnRef idx="2">
+            <a:schemeClr val="accent1"/>
+          </a:lnRef>
+          <a:fillRef idx="0">
+            <a:schemeClr val="accent1"/>
+          </a:fillRef>
+          <a:effectRef idx="1">
+            <a:schemeClr val="accent1"/>
+          </a:effectRef>
+          <a:fontRef idx="minor">
+            <a:schemeClr val="tx1"/>
+          </a:fontRef>
+        </p:style>
+      </p:cxnSp>
+      <p:cxnSp>
+        <p:nvCxnSpPr>
+          <p:cNvPr id="41" name="Straight Connector 40"/>
+          <p:cNvCxnSpPr/>
+          <p:nvPr/>
+        </p:nvCxnSpPr>
+        <p:spPr>
+          <a:xfrm rot="5400000">
+            <a:off x="5528653" y="4240218"/>
+            <a:ext cx="1028648" cy="0"/>
+          </a:xfrm>
+          <a:prstGeom prst="line">
+            <a:avLst/>
+          </a:prstGeom>
+          <a:ln w="57150" cmpd="sng">
+            <a:solidFill>
+              <a:schemeClr val="accent1"/>
+            </a:solidFill>
+          </a:ln>
+        </p:spPr>
+        <p:style>
+          <a:lnRef idx="2">
+            <a:schemeClr val="accent1"/>
+          </a:lnRef>
+          <a:fillRef idx="0">
+            <a:schemeClr val="accent1"/>
+          </a:fillRef>
+          <a:effectRef idx="1">
+            <a:schemeClr val="accent1"/>
+          </a:effectRef>
+          <a:fontRef idx="minor">
+            <a:schemeClr val="tx1"/>
+          </a:fontRef>
+        </p:style>
+      </p:cxnSp>
+      <p:cxnSp>
+        <p:nvCxnSpPr>
+          <p:cNvPr id="42" name="Straight Connector 41"/>
+          <p:cNvCxnSpPr/>
+          <p:nvPr/>
+        </p:nvCxnSpPr>
+        <p:spPr>
+          <a:xfrm rot="5400000" flipV="1">
+            <a:off x="3004592" y="3743102"/>
+            <a:ext cx="0" cy="638632"/>
+          </a:xfrm>
+          <a:prstGeom prst="line">
+            <a:avLst/>
+          </a:prstGeom>
+          <a:ln w="57150" cmpd="sng">
+            <a:solidFill>
+              <a:srgbClr val="FF0000"/>
+            </a:solidFill>
+          </a:ln>
+        </p:spPr>
+        <p:style>
+          <a:lnRef idx="2">
+            <a:schemeClr val="accent1"/>
+          </a:lnRef>
+          <a:fillRef idx="0">
+            <a:schemeClr val="accent1"/>
+          </a:fillRef>
+          <a:effectRef idx="1">
+            <a:schemeClr val="accent1"/>
+          </a:effectRef>
+          <a:fontRef idx="minor">
+            <a:schemeClr val="tx1"/>
+          </a:fontRef>
+        </p:style>
+      </p:cxnSp>
+      <p:cxnSp>
+        <p:nvCxnSpPr>
+          <p:cNvPr id="43" name="Straight Connector 42"/>
+          <p:cNvCxnSpPr/>
+          <p:nvPr/>
+        </p:nvCxnSpPr>
+        <p:spPr>
+          <a:xfrm rot="5400000" flipV="1">
+            <a:off x="3004592" y="4219186"/>
+            <a:ext cx="0" cy="638632"/>
+          </a:xfrm>
+          <a:prstGeom prst="line">
+            <a:avLst/>
+          </a:prstGeom>
+          <a:ln w="57150" cmpd="sng">
+            <a:solidFill>
+              <a:schemeClr val="accent1"/>
+            </a:solidFill>
+          </a:ln>
+        </p:spPr>
+        <p:style>
+          <a:lnRef idx="2">
+            <a:schemeClr val="accent1"/>
+          </a:lnRef>
+          <a:fillRef idx="0">
+            <a:schemeClr val="accent1"/>
+          </a:fillRef>
+          <a:effectRef idx="1">
+            <a:schemeClr val="accent1"/>
+          </a:effectRef>
+          <a:fontRef idx="minor">
+            <a:schemeClr val="tx1"/>
+          </a:fontRef>
+        </p:style>
+      </p:cxnSp>
+      <p:cxnSp>
+        <p:nvCxnSpPr>
+          <p:cNvPr id="44" name="Straight Connector 43"/>
+          <p:cNvCxnSpPr/>
+          <p:nvPr/>
+        </p:nvCxnSpPr>
+        <p:spPr>
+          <a:xfrm rot="5400000" flipV="1">
+            <a:off x="3004592" y="3542750"/>
+            <a:ext cx="0" cy="638632"/>
+          </a:xfrm>
+          <a:prstGeom prst="line">
+            <a:avLst/>
+          </a:prstGeom>
+          <a:ln w="57150" cmpd="sng">
+            <a:solidFill>
+              <a:schemeClr val="accent1"/>
+            </a:solidFill>
+          </a:ln>
+        </p:spPr>
+        <p:style>
+          <a:lnRef idx="2">
+            <a:schemeClr val="accent1"/>
+          </a:lnRef>
+          <a:fillRef idx="0">
+            <a:schemeClr val="accent1"/>
+          </a:fillRef>
+          <a:effectRef idx="1">
+            <a:schemeClr val="accent1"/>
+          </a:effectRef>
+          <a:fontRef idx="minor">
+            <a:schemeClr val="tx1"/>
+          </a:fontRef>
+        </p:style>
+      </p:cxnSp>
+      <p:cxnSp>
+        <p:nvCxnSpPr>
+          <p:cNvPr id="45" name="Straight Connector 44"/>
+          <p:cNvCxnSpPr/>
+          <p:nvPr/>
+        </p:nvCxnSpPr>
+        <p:spPr>
+          <a:xfrm rot="5400000" flipV="1">
+            <a:off x="3004592" y="4817139"/>
+            <a:ext cx="0" cy="638632"/>
+          </a:xfrm>
+          <a:prstGeom prst="line">
+            <a:avLst/>
+          </a:prstGeom>
+          <a:ln w="57150" cmpd="sng">
+            <a:solidFill>
+              <a:schemeClr val="accent1"/>
+            </a:solidFill>
+          </a:ln>
+        </p:spPr>
+        <p:style>
+          <a:lnRef idx="2">
+            <a:schemeClr val="accent1"/>
+          </a:lnRef>
+          <a:fillRef idx="0">
+            <a:schemeClr val="accent1"/>
+          </a:fillRef>
+          <a:effectRef idx="1">
+            <a:schemeClr val="accent1"/>
+          </a:effectRef>
+          <a:fontRef idx="minor">
+            <a:schemeClr val="tx1"/>
+          </a:fontRef>
+        </p:style>
+      </p:cxnSp>
+      <p:cxnSp>
+        <p:nvCxnSpPr>
+          <p:cNvPr id="46" name="Straight Connector 45"/>
+          <p:cNvCxnSpPr/>
+          <p:nvPr/>
+        </p:nvCxnSpPr>
+        <p:spPr>
+          <a:xfrm rot="5400000" flipV="1">
+            <a:off x="3004592" y="2922651"/>
+            <a:ext cx="0" cy="638632"/>
+          </a:xfrm>
+          <a:prstGeom prst="line">
+            <a:avLst/>
+          </a:prstGeom>
+          <a:ln w="57150" cmpd="sng">
+            <a:solidFill>
+              <a:schemeClr val="accent1"/>
+            </a:solidFill>
+          </a:ln>
+        </p:spPr>
+        <p:style>
+          <a:lnRef idx="2">
+            <a:schemeClr val="accent1"/>
+          </a:lnRef>
+          <a:fillRef idx="0">
+            <a:schemeClr val="accent1"/>
+          </a:fillRef>
+          <a:effectRef idx="1">
+            <a:schemeClr val="accent1"/>
+          </a:effectRef>
+          <a:fontRef idx="minor">
+            <a:schemeClr val="tx1"/>
+          </a:fontRef>
+        </p:style>
+      </p:cxnSp>
+      <p:cxnSp>
+        <p:nvCxnSpPr>
+          <p:cNvPr id="47" name="Straight Connector 46"/>
+          <p:cNvCxnSpPr/>
+          <p:nvPr/>
+        </p:nvCxnSpPr>
+        <p:spPr>
+          <a:xfrm rot="5400000">
+            <a:off x="2347056" y="4200284"/>
+            <a:ext cx="676437" cy="1"/>
+          </a:xfrm>
+          <a:prstGeom prst="line">
+            <a:avLst/>
+          </a:prstGeom>
+          <a:ln w="57150" cmpd="sng">
+            <a:solidFill>
+              <a:schemeClr val="accent1"/>
+            </a:solidFill>
+          </a:ln>
+        </p:spPr>
+        <p:style>
+          <a:lnRef idx="2">
+            <a:schemeClr val="accent1"/>
+          </a:lnRef>
+          <a:fillRef idx="0">
+            <a:schemeClr val="accent1"/>
+          </a:fillRef>
+          <a:effectRef idx="1">
+            <a:schemeClr val="accent1"/>
+          </a:effectRef>
+          <a:fontRef idx="minor">
+            <a:schemeClr val="tx1"/>
+          </a:fontRef>
+        </p:style>
+      </p:cxnSp>
+      <p:cxnSp>
+        <p:nvCxnSpPr>
+          <p:cNvPr id="48" name="Straight Connector 47"/>
+          <p:cNvCxnSpPr/>
+          <p:nvPr/>
+        </p:nvCxnSpPr>
+        <p:spPr>
+          <a:xfrm rot="5400000">
+            <a:off x="2985682" y="4195329"/>
+            <a:ext cx="676437" cy="1"/>
+          </a:xfrm>
+          <a:prstGeom prst="line">
+            <a:avLst/>
+          </a:prstGeom>
+          <a:ln w="57150" cmpd="sng">
+            <a:solidFill>
+              <a:schemeClr val="accent1"/>
+            </a:solidFill>
+          </a:ln>
+        </p:spPr>
+        <p:style>
+          <a:lnRef idx="2">
+            <a:schemeClr val="accent1"/>
+          </a:lnRef>
+          <a:fillRef idx="0">
+            <a:schemeClr val="accent1"/>
+          </a:fillRef>
+          <a:effectRef idx="1">
+            <a:schemeClr val="accent1"/>
+          </a:effectRef>
+          <a:fontRef idx="minor">
+            <a:schemeClr val="tx1"/>
+          </a:fontRef>
+        </p:style>
+      </p:cxnSp>
+      <p:cxnSp>
+        <p:nvCxnSpPr>
+          <p:cNvPr id="49" name="Straight Connector 48"/>
+          <p:cNvCxnSpPr/>
+          <p:nvPr/>
+        </p:nvCxnSpPr>
+        <p:spPr>
+          <a:xfrm>
+            <a:off x="3001300" y="3270266"/>
+            <a:ext cx="0" cy="586845"/>
+          </a:xfrm>
+          <a:prstGeom prst="line">
+            <a:avLst/>
+          </a:prstGeom>
+          <a:ln w="57150" cmpd="sng">
+            <a:solidFill>
+              <a:schemeClr val="accent1"/>
+            </a:solidFill>
+          </a:ln>
+        </p:spPr>
+        <p:style>
+          <a:lnRef idx="2">
+            <a:schemeClr val="accent1"/>
+          </a:lnRef>
+          <a:fillRef idx="0">
+            <a:schemeClr val="accent1"/>
+          </a:fillRef>
+          <a:effectRef idx="1">
+            <a:schemeClr val="accent1"/>
+          </a:effectRef>
+          <a:fontRef idx="minor">
+            <a:schemeClr val="tx1"/>
+          </a:fontRef>
+        </p:style>
+      </p:cxnSp>
+      <p:cxnSp>
+        <p:nvCxnSpPr>
+          <p:cNvPr id="50" name="Straight Connector 49"/>
+          <p:cNvCxnSpPr/>
+          <p:nvPr/>
+        </p:nvCxnSpPr>
+        <p:spPr>
+          <a:xfrm>
+            <a:off x="3001300" y="4538503"/>
+            <a:ext cx="0" cy="563024"/>
+          </a:xfrm>
+          <a:prstGeom prst="line">
+            <a:avLst/>
+          </a:prstGeom>
+          <a:ln w="57150" cmpd="sng">
+            <a:solidFill>
+              <a:schemeClr val="accent1"/>
+            </a:solidFill>
+          </a:ln>
+        </p:spPr>
+        <p:style>
+          <a:lnRef idx="2">
+            <a:schemeClr val="accent1"/>
+          </a:lnRef>
+          <a:fillRef idx="0">
+            <a:schemeClr val="accent1"/>
+          </a:fillRef>
+          <a:effectRef idx="1">
+            <a:schemeClr val="accent1"/>
+          </a:effectRef>
+          <a:fontRef idx="minor">
+            <a:schemeClr val="tx1"/>
+          </a:fontRef>
+        </p:style>
+      </p:cxnSp>
+      <p:cxnSp>
+        <p:nvCxnSpPr>
+          <p:cNvPr id="4" name="Straight Arrow Connector 3"/>
+          <p:cNvCxnSpPr/>
+          <p:nvPr/>
+        </p:nvCxnSpPr>
+        <p:spPr>
+          <a:xfrm>
+            <a:off x="6615976" y="1439902"/>
+            <a:ext cx="0" cy="3312216"/>
+          </a:xfrm>
+          <a:prstGeom prst="straightConnector1">
+            <a:avLst/>
+          </a:prstGeom>
+          <a:ln w="57150" cmpd="sng">
+            <a:solidFill>
+              <a:srgbClr val="008000"/>
+            </a:solidFill>
+            <a:headEnd type="arrow"/>
+            <a:tailEnd type="arrow"/>
+          </a:ln>
+        </p:spPr>
+        <p:style>
+          <a:lnRef idx="2">
+            <a:schemeClr val="accent1"/>
+          </a:lnRef>
+          <a:fillRef idx="0">
+            <a:schemeClr val="accent1"/>
+          </a:fillRef>
+          <a:effectRef idx="1">
+            <a:schemeClr val="accent1"/>
+          </a:effectRef>
+          <a:fontRef idx="minor">
+            <a:schemeClr val="tx1"/>
+          </a:fontRef>
+        </p:style>
+      </p:cxnSp>
+      <p:cxnSp>
+        <p:nvCxnSpPr>
+          <p:cNvPr id="51" name="Straight Arrow Connector 50"/>
+          <p:cNvCxnSpPr/>
+          <p:nvPr/>
+        </p:nvCxnSpPr>
+        <p:spPr>
+          <a:xfrm>
+            <a:off x="2457018" y="3098434"/>
+            <a:ext cx="0" cy="2038021"/>
+          </a:xfrm>
+          <a:prstGeom prst="straightConnector1">
+            <a:avLst/>
+          </a:prstGeom>
+          <a:ln w="57150" cmpd="sng">
+            <a:solidFill>
+              <a:srgbClr val="008000"/>
+            </a:solidFill>
+            <a:headEnd type="arrow"/>
+            <a:tailEnd type="arrow"/>
+          </a:ln>
+        </p:spPr>
+        <p:style>
+          <a:lnRef idx="2">
+            <a:schemeClr val="accent1"/>
+          </a:lnRef>
+          <a:fillRef idx="0">
+            <a:schemeClr val="accent1"/>
+          </a:fillRef>
+          <a:effectRef idx="1">
+            <a:schemeClr val="accent1"/>
+          </a:effectRef>
+          <a:fontRef idx="minor">
+            <a:schemeClr val="tx1"/>
+          </a:fontRef>
+        </p:style>
+      </p:cxnSp>
+      <p:sp>
+        <p:nvSpPr>
+          <p:cNvPr id="52" name="TextBox 51"/>
+          <p:cNvSpPr txBox="1"/>
+          <p:nvPr/>
+        </p:nvSpPr>
+        <p:spPr>
+          <a:xfrm rot="16200000">
+            <a:off x="1091134" y="3788466"/>
+            <a:ext cx="1894469" cy="584776"/>
+          </a:xfrm>
+          <a:prstGeom prst="rect">
+            <a:avLst/>
+          </a:prstGeom>
+          <a:noFill/>
+        </p:spPr>
+        <p:txBody>
+          <a:bodyPr wrap="none" rtlCol="0">
+            <a:spAutoFit/>
+          </a:bodyPr>
+          <a:lstStyle/>
+          <a:p>
+            <a:r>
+              <a:rPr lang="en-US" sz="3200" dirty="0"/>
+              <a:t>v</a:t>
+            </a:r>
+            <a:r>
+              <a:rPr lang="en-US" sz="3200" dirty="0" smtClean="0"/>
+              <a:t>ariance 1</a:t>
+            </a:r>
+            <a:endParaRPr lang="en-US" sz="3200" dirty="0"/>
+          </a:p>
+        </p:txBody>
+      </p:sp>
+      <p:sp>
+        <p:nvSpPr>
+          <p:cNvPr id="53" name="TextBox 52"/>
+          <p:cNvSpPr txBox="1"/>
+          <p:nvPr/>
+        </p:nvSpPr>
+        <p:spPr>
+          <a:xfrm rot="16200000">
+            <a:off x="5910466" y="2709567"/>
+            <a:ext cx="1894469" cy="584776"/>
+          </a:xfrm>
+          <a:prstGeom prst="rect">
+            <a:avLst/>
+          </a:prstGeom>
+          <a:noFill/>
+        </p:spPr>
+        <p:txBody>
+          <a:bodyPr wrap="none" rtlCol="0">
+            <a:spAutoFit/>
+          </a:bodyPr>
+          <a:lstStyle/>
+          <a:p>
+            <a:r>
+              <a:rPr lang="en-US" sz="3200" dirty="0"/>
+              <a:t>v</a:t>
+            </a:r>
+            <a:r>
+              <a:rPr lang="en-US" sz="3200" dirty="0" smtClean="0"/>
+              <a:t>ariance 2</a:t>
+            </a:r>
+            <a:endParaRPr lang="en-US" sz="3200" dirty="0"/>
+          </a:p>
+        </p:txBody>
+      </p:sp>
+    </p:spTree>
+    <p:extLst>
+      <p:ext uri="{BB962C8B-B14F-4D97-AF65-F5344CB8AC3E}">
+        <p14:creationId xmlns:p14="http://schemas.microsoft.com/office/powerpoint/2010/main" val="4243019939"/>
+      </p:ext>
+    </p:extLst>
+  </p:cSld>
+  <p:clrMapOvr>
+    <a:masterClrMapping/>
+  </p:clrMapOvr>
+  <p:timing>
+    <p:tnLst>
+      <p:par>
+        <p:cTn xmlns:p14="http://schemas.microsoft.com/office/powerpoint/2010/main" id="1" dur="indefinite" restart="never" nodeType="tmRoot">
+          <p:childTnLst>
+            <p:seq concurrent="1" nextAc="seek">
+              <p:cTn id="2" dur="indefinite" nodeType="mainSeq">
+                <p:childTnLst>
                   <p:par>
-                    <p:cTn id="13" fill="hold">
+                    <p:cTn id="3" fill="hold">
                       <p:stCondLst>
                         <p:cond delay="indefinite"/>
                       </p:stCondLst>
                       <p:childTnLst>
                         <p:par>
-                          <p:cTn id="14" fill="hold">
+                          <p:cTn id="4" fill="hold">
                             <p:stCondLst>
                               <p:cond delay="0"/>
                             </p:stCondLst>
                             <p:childTnLst>
                               <p:par>
-                                <p:cTn id="15" presetID="1" presetClass="entr" presetSubtype="0" fill="hold" nodeType="clickEffect">
+                                <p:cTn id="5" presetID="1" presetClass="entr" presetSubtype="0" fill="hold" nodeType="clickEffect">
                                   <p:stCondLst>
                                     <p:cond delay="0"/>
                                   </p:stCondLst>
                                   <p:childTnLst>
                                     <p:set>
                                       <p:cBhvr>
-                                        <p:cTn id="16" dur="1" fill="hold">
+                                        <p:cTn id="6" dur="1" fill="hold">
                                           <p:stCondLst>
                                             <p:cond delay="9"/>
                                           </p:stCondLst>
@@ -12712,14 +13959,14 @@
                                 </p:cTn>
                               </p:par>
                               <p:par>
-                                <p:cTn id="17" presetID="1" presetClass="entr" presetSubtype="0" fill="hold" nodeType="withEffect">
+                                <p:cTn id="7" presetID="1" presetClass="entr" presetSubtype="0" fill="hold" nodeType="withEffect">
                                   <p:stCondLst>
                                     <p:cond delay="0"/>
                                   </p:stCondLst>
                                   <p:childTnLst>
                                     <p:set>
                                       <p:cBhvr>
-                                        <p:cTn id="18" dur="1" fill="hold">
+                                        <p:cTn id="8" dur="1" fill="hold">
                                           <p:stCondLst>
                                             <p:cond delay="9"/>
                                           </p:stCondLst>
@@ -12739,14 +13986,14 @@
                                 </p:cTn>
                               </p:par>
                               <p:par>
-                                <p:cTn id="19" presetID="1" presetClass="entr" presetSubtype="0" fill="hold" grpId="0" nodeType="withEffect">
+                                <p:cTn id="9" presetID="1" presetClass="entr" presetSubtype="0" fill="hold" grpId="0" nodeType="withEffect">
                                   <p:stCondLst>
                                     <p:cond delay="0"/>
                                   </p:stCondLst>
                                   <p:childTnLst>
                                     <p:set>
                                       <p:cBhvr>
-                                        <p:cTn id="20" dur="1" fill="hold">
+                                        <p:cTn id="10" dur="1" fill="hold">
                                           <p:stCondLst>
                                             <p:cond delay="9"/>
                                           </p:stCondLst>
@@ -12766,14 +14013,14 @@
                                 </p:cTn>
                               </p:par>
                               <p:par>
-                                <p:cTn id="21" presetID="1" presetClass="entr" presetSubtype="0" fill="hold" grpId="0" nodeType="withEffect">
+                                <p:cTn id="11" presetID="1" presetClass="entr" presetSubtype="0" fill="hold" grpId="0" nodeType="withEffect">
                                   <p:stCondLst>
                                     <p:cond delay="0"/>
                                   </p:stCondLst>
                                   <p:childTnLst>
                                     <p:set>
                                       <p:cBhvr>
-                                        <p:cTn id="22" dur="1" fill="hold">
+                                        <p:cTn id="12" dur="1" fill="hold">
                                           <p:stCondLst>
                                             <p:cond delay="9"/>
                                           </p:stCondLst>
@@ -12820,8 +14067,6 @@
       </p:par>
     </p:tnLst>
     <p:bldLst>
-      <p:bldP spid="29" grpId="0"/>
-      <p:bldP spid="30" grpId="0"/>
       <p:bldP spid="52" grpId="0"/>
       <p:bldP spid="53" grpId="0"/>
     </p:bldLst>
@@ -12829,72 +14074,7 @@
 </p:sld>
 </file>
 
-<file path=ppt/slides/slide2.xml><?xml version="1.0" encoding="utf-8"?>
-<p:sld xmlns:a="http://schemas.openxmlformats.org/drawingml/2006/main" xmlns:r="http://schemas.openxmlformats.org/officeDocument/2006/relationships" xmlns:p="http://schemas.openxmlformats.org/presentationml/2006/main">
-  <p:cSld>
-    <p:spTree>
-      <p:nvGrpSpPr>
-        <p:cNvPr id="1" name=""/>
-        <p:cNvGrpSpPr/>
-        <p:nvPr/>
-      </p:nvGrpSpPr>
-      <p:grpSpPr>
-        <a:xfrm>
-          <a:off x="0" y="0"/>
-          <a:ext cx="0" cy="0"/>
-          <a:chOff x="0" y="0"/>
-          <a:chExt cx="0" cy="0"/>
-        </a:xfrm>
-      </p:grpSpPr>
-      <p:sp>
-        <p:nvSpPr>
-          <p:cNvPr id="2" name="Title 1"/>
-          <p:cNvSpPr>
-            <a:spLocks noGrp="1"/>
-          </p:cNvSpPr>
-          <p:nvPr>
-            <p:ph type="title"/>
-          </p:nvPr>
-        </p:nvSpPr>
-        <p:spPr>
-          <a:xfrm>
-            <a:off x="457200" y="2643278"/>
-            <a:ext cx="8229600" cy="1143000"/>
-          </a:xfrm>
-        </p:spPr>
-        <p:txBody>
-          <a:bodyPr/>
-          <a:lstStyle/>
-          <a:p>
-            <a:r>
-              <a:rPr lang="en-US" dirty="0" smtClean="0"/>
-              <a:t>You have a hunch</a:t>
-            </a:r>
-            <a:endParaRPr lang="en-US" dirty="0"/>
-          </a:p>
-        </p:txBody>
-      </p:sp>
-    </p:spTree>
-    <p:extLst>
-      <p:ext uri="{BB962C8B-B14F-4D97-AF65-F5344CB8AC3E}">
-        <p14:creationId xmlns:p14="http://schemas.microsoft.com/office/powerpoint/2010/main" val="833122530"/>
-      </p:ext>
-    </p:extLst>
-  </p:cSld>
-  <p:clrMapOvr>
-    <a:masterClrMapping/>
-  </p:clrMapOvr>
-  <p:timing>
-    <p:tnLst>
-      <p:par>
-        <p:cTn xmlns:p14="http://schemas.microsoft.com/office/powerpoint/2010/main" id="1" dur="indefinite" restart="never" nodeType="tmRoot"/>
-      </p:par>
-    </p:tnLst>
-  </p:timing>
-</p:sld>
-</file>
-
-<file path=ppt/slides/slide20.xml><?xml version="1.0" encoding="utf-8"?>
+<file path=ppt/slides/slide22.xml><?xml version="1.0" encoding="utf-8"?>
 <p:sld xmlns:a="http://schemas.openxmlformats.org/drawingml/2006/main" xmlns:r="http://schemas.openxmlformats.org/officeDocument/2006/relationships" xmlns:p="http://schemas.openxmlformats.org/presentationml/2006/main">
   <p:cSld>
     <p:spTree>
@@ -14045,36 +15225,6 @@
           </a:p>
         </p:txBody>
       </p:sp>
-      <p:sp>
-        <p:nvSpPr>
-          <p:cNvPr id="60" name="TextBox 59"/>
-          <p:cNvSpPr txBox="1"/>
-          <p:nvPr/>
-        </p:nvSpPr>
-        <p:spPr>
-          <a:xfrm>
-            <a:off x="2927301" y="5658706"/>
-            <a:ext cx="6242562" cy="707886"/>
-          </a:xfrm>
-          <a:prstGeom prst="rect">
-            <a:avLst/>
-          </a:prstGeom>
-          <a:noFill/>
-        </p:spPr>
-        <p:txBody>
-          <a:bodyPr wrap="square" rtlCol="0">
-            <a:spAutoFit/>
-          </a:bodyPr>
-          <a:lstStyle/>
-          <a:p>
-            <a:r>
-              <a:rPr lang="en-US" sz="4000" dirty="0" smtClean="0"/>
-              <a:t># Samples:     &gt; 1M         &gt; 1M</a:t>
-            </a:r>
-            <a:endParaRPr lang="en-US" sz="4000" dirty="0"/>
-          </a:p>
-        </p:txBody>
-      </p:sp>
     </p:spTree>
     <p:extLst>
       <p:ext uri="{BB962C8B-B14F-4D97-AF65-F5344CB8AC3E}">
@@ -14088,85 +15238,14 @@
   <p:timing>
     <p:tnLst>
       <p:par>
-        <p:cTn xmlns:p14="http://schemas.microsoft.com/office/powerpoint/2010/main" id="1" dur="indefinite" restart="never" nodeType="tmRoot">
-          <p:childTnLst>
-            <p:seq concurrent="1" nextAc="seek">
-              <p:cTn id="2" dur="indefinite" nodeType="mainSeq">
-                <p:childTnLst>
-                  <p:par>
-                    <p:cTn id="3" fill="hold">
-                      <p:stCondLst>
-                        <p:cond delay="indefinite"/>
-                      </p:stCondLst>
-                      <p:childTnLst>
-                        <p:par>
-                          <p:cTn id="4" fill="hold">
-                            <p:stCondLst>
-                              <p:cond delay="0"/>
-                            </p:stCondLst>
-                            <p:childTnLst>
-                              <p:par>
-                                <p:cTn id="5" presetID="1" presetClass="entr" presetSubtype="0" fill="hold" grpId="0" nodeType="clickEffect">
-                                  <p:stCondLst>
-                                    <p:cond delay="0"/>
-                                  </p:stCondLst>
-                                  <p:childTnLst>
-                                    <p:set>
-                                      <p:cBhvr>
-                                        <p:cTn id="6" dur="1" fill="hold">
-                                          <p:stCondLst>
-                                            <p:cond delay="9"/>
-                                          </p:stCondLst>
-                                        </p:cTn>
-                                        <p:tgtEl>
-                                          <p:spTgt spid="60"/>
-                                        </p:tgtEl>
-                                        <p:attrNameLst>
-                                          <p:attrName>style.visibility</p:attrName>
-                                        </p:attrNameLst>
-                                      </p:cBhvr>
-                                      <p:to>
-                                        <p:strVal val="visible"/>
-                                      </p:to>
-                                    </p:set>
-                                  </p:childTnLst>
-                                </p:cTn>
-                              </p:par>
-                            </p:childTnLst>
-                          </p:cTn>
-                        </p:par>
-                      </p:childTnLst>
-                    </p:cTn>
-                  </p:par>
-                </p:childTnLst>
-              </p:cTn>
-              <p:prevCondLst>
-                <p:cond evt="onPrev" delay="0">
-                  <p:tgtEl>
-                    <p:sldTgt/>
-                  </p:tgtEl>
-                </p:cond>
-              </p:prevCondLst>
-              <p:nextCondLst>
-                <p:cond evt="onNext" delay="0">
-                  <p:tgtEl>
-                    <p:sldTgt/>
-                  </p:tgtEl>
-                </p:cond>
-              </p:nextCondLst>
-            </p:seq>
-          </p:childTnLst>
-        </p:cTn>
+        <p:cTn xmlns:p14="http://schemas.microsoft.com/office/powerpoint/2010/main" id="1" dur="indefinite" restart="never" nodeType="tmRoot"/>
       </p:par>
     </p:tnLst>
-    <p:bldLst>
-      <p:bldP spid="60" grpId="0"/>
-    </p:bldLst>
   </p:timing>
 </p:sld>
 </file>
 
-<file path=ppt/slides/slide21.xml><?xml version="1.0" encoding="utf-8"?>
+<file path=ppt/slides/slide23.xml><?xml version="1.0" encoding="utf-8"?>
 <p:sld xmlns:a="http://schemas.openxmlformats.org/drawingml/2006/main" xmlns:r="http://schemas.openxmlformats.org/officeDocument/2006/relationships" xmlns:p="http://schemas.openxmlformats.org/presentationml/2006/main">
   <p:cSld>
     <p:spTree>
@@ -14191,8 +15270,8 @@
         </p:nvSpPr>
         <p:spPr>
           <a:xfrm>
-            <a:off x="203183" y="363297"/>
-            <a:ext cx="8723913" cy="1323439"/>
+            <a:off x="1182016" y="363297"/>
+            <a:ext cx="6766246" cy="1323439"/>
           </a:xfrm>
           <a:prstGeom prst="rect">
             <a:avLst/>
@@ -14208,22 +15287,15 @@
             <a:pPr algn="ctr"/>
             <a:r>
               <a:rPr lang="en-US" sz="4000" dirty="0" smtClean="0"/>
-              <a:t>How likely </a:t>
-            </a:r>
+              <a:t>How likely are they equal </a:t>
+            </a:r>
+            <a:endParaRPr lang="en-US" sz="4000" dirty="0" smtClean="0"/>
+          </a:p>
+          <a:p>
+            <a:pPr algn="ctr"/>
             <a:r>
               <a:rPr lang="en-US" sz="4000" dirty="0" smtClean="0"/>
-              <a:t>are they equal </a:t>
-            </a:r>
-            <a:r>
-              <a:rPr lang="en-US" sz="4000" dirty="0" smtClean="0"/>
-              <a:t>given observed </a:t>
-            </a:r>
-          </a:p>
-          <a:p>
-            <a:pPr algn="ctr"/>
-            <a:r>
-              <a:rPr lang="en-US" sz="4000" dirty="0" smtClean="0"/>
-              <a:t># samples, </a:t>
+              <a:t>given </a:t>
             </a:r>
             <a:r>
               <a:rPr lang="en-US" sz="4000" dirty="0" err="1" smtClean="0"/>
@@ -14328,44 +15400,8 @@
         </p:nvCxnSpPr>
         <p:spPr>
           <a:xfrm flipH="1">
-            <a:off x="3292948" y="3412632"/>
-            <a:ext cx="908034" cy="1192861"/>
-          </a:xfrm>
-          <a:prstGeom prst="straightConnector1">
-            <a:avLst/>
-          </a:prstGeom>
-          <a:ln w="57150" cmpd="sng">
-            <a:solidFill>
-              <a:srgbClr val="008000"/>
-            </a:solidFill>
-            <a:tailEnd type="arrow"/>
-          </a:ln>
-        </p:spPr>
-        <p:style>
-          <a:lnRef idx="2">
-            <a:schemeClr val="accent1"/>
-          </a:lnRef>
-          <a:fillRef idx="0">
-            <a:schemeClr val="accent1"/>
-          </a:fillRef>
-          <a:effectRef idx="1">
-            <a:schemeClr val="accent1"/>
-          </a:effectRef>
-          <a:fontRef idx="minor">
-            <a:schemeClr val="tx1"/>
-          </a:fontRef>
-        </p:style>
-      </p:cxnSp>
-      <p:cxnSp>
-        <p:nvCxnSpPr>
-          <p:cNvPr id="8" name="Straight Arrow Connector 7"/>
-          <p:cNvCxnSpPr/>
-          <p:nvPr/>
-        </p:nvCxnSpPr>
-        <p:spPr>
-          <a:xfrm>
-            <a:off x="4934106" y="3412632"/>
-            <a:ext cx="908034" cy="1192861"/>
+            <a:off x="2963079" y="3412632"/>
+            <a:ext cx="1237903" cy="632784"/>
           </a:xfrm>
           <a:prstGeom prst="straightConnector1">
             <a:avLst/>
@@ -14400,7 +15436,7 @@
         </p:nvSpPr>
         <p:spPr>
           <a:xfrm>
-            <a:off x="445756" y="4646394"/>
+            <a:off x="445756" y="4160314"/>
             <a:ext cx="3500878" cy="1938992"/>
           </a:xfrm>
           <a:prstGeom prst="rect">
@@ -14469,7 +15505,7 @@
         </p:nvSpPr>
         <p:spPr>
           <a:xfrm>
-            <a:off x="5158165" y="4646394"/>
+            <a:off x="5158165" y="4160314"/>
             <a:ext cx="3114655" cy="1938992"/>
           </a:xfrm>
           <a:prstGeom prst="rect">
@@ -14521,6 +15557,112 @@
                 </a:solidFill>
               </a:rPr>
               <a:t>he difference</a:t>
+            </a:r>
+            <a:endParaRPr lang="en-US" sz="4000" dirty="0">
+              <a:solidFill>
+                <a:schemeClr val="accent1"/>
+              </a:solidFill>
+            </a:endParaRPr>
+          </a:p>
+        </p:txBody>
+      </p:sp>
+      <p:cxnSp>
+        <p:nvCxnSpPr>
+          <p:cNvPr id="11" name="Straight Arrow Connector 10"/>
+          <p:cNvCxnSpPr/>
+          <p:nvPr/>
+        </p:nvCxnSpPr>
+        <p:spPr>
+          <a:xfrm>
+            <a:off x="4951682" y="3412632"/>
+            <a:ext cx="1237903" cy="632784"/>
+          </a:xfrm>
+          <a:prstGeom prst="straightConnector1">
+            <a:avLst/>
+          </a:prstGeom>
+          <a:ln w="57150" cmpd="sng">
+            <a:solidFill>
+              <a:srgbClr val="008000"/>
+            </a:solidFill>
+            <a:tailEnd type="arrow"/>
+          </a:ln>
+        </p:spPr>
+        <p:style>
+          <a:lnRef idx="2">
+            <a:schemeClr val="accent1"/>
+          </a:lnRef>
+          <a:fillRef idx="0">
+            <a:schemeClr val="accent1"/>
+          </a:fillRef>
+          <a:effectRef idx="1">
+            <a:schemeClr val="accent1"/>
+          </a:effectRef>
+          <a:fontRef idx="minor">
+            <a:schemeClr val="tx1"/>
+          </a:fontRef>
+        </p:style>
+      </p:cxnSp>
+      <p:sp>
+        <p:nvSpPr>
+          <p:cNvPr id="12" name="TextBox 11"/>
+          <p:cNvSpPr txBox="1"/>
+          <p:nvPr/>
+        </p:nvSpPr>
+        <p:spPr>
+          <a:xfrm>
+            <a:off x="929741" y="5997724"/>
+            <a:ext cx="2618225" cy="707886"/>
+          </a:xfrm>
+          <a:prstGeom prst="rect">
+            <a:avLst/>
+          </a:prstGeom>
+          <a:noFill/>
+        </p:spPr>
+        <p:txBody>
+          <a:bodyPr wrap="none" rtlCol="0">
+            <a:spAutoFit/>
+          </a:bodyPr>
+          <a:lstStyle/>
+          <a:p>
+            <a:pPr algn="ctr"/>
+            <a:r>
+              <a:rPr lang="en-US" sz="4000" dirty="0" smtClean="0"/>
+              <a:t>(significant)</a:t>
+            </a:r>
+            <a:endParaRPr lang="en-US" sz="4000" dirty="0">
+              <a:solidFill>
+                <a:schemeClr val="accent1"/>
+              </a:solidFill>
+            </a:endParaRPr>
+          </a:p>
+        </p:txBody>
+      </p:sp>
+      <p:sp>
+        <p:nvSpPr>
+          <p:cNvPr id="13" name="TextBox 12"/>
+          <p:cNvSpPr txBox="1"/>
+          <p:nvPr/>
+        </p:nvSpPr>
+        <p:spPr>
+          <a:xfrm>
+            <a:off x="5045750" y="5997724"/>
+            <a:ext cx="3446025" cy="707886"/>
+          </a:xfrm>
+          <a:prstGeom prst="rect">
+            <a:avLst/>
+          </a:prstGeom>
+          <a:noFill/>
+        </p:spPr>
+        <p:txBody>
+          <a:bodyPr wrap="none" rtlCol="0">
+            <a:spAutoFit/>
+          </a:bodyPr>
+          <a:lstStyle/>
+          <a:p>
+            <a:pPr algn="ctr"/>
+            <a:r>
+              <a:rPr lang="en-US" sz="4000" dirty="0" smtClean="0"/>
+              <a:t>(not significant)</a:t>
             </a:r>
             <a:endParaRPr lang="en-US" sz="4000" dirty="0">
               <a:solidFill>
@@ -14705,7 +15847,7 @@
                             </p:stCondLst>
                             <p:childTnLst>
                               <p:par>
-                                <p:cTn id="17" presetID="1" presetClass="entr" presetSubtype="0" fill="hold" nodeType="clickEffect">
+                                <p:cTn id="17" presetID="1" presetClass="entr" presetSubtype="0" fill="hold" grpId="0" nodeType="clickEffect">
                                   <p:stCondLst>
                                     <p:cond delay="0"/>
                                   </p:stCondLst>
@@ -14718,7 +15860,7 @@
                                           </p:stCondLst>
                                         </p:cTn>
                                         <p:tgtEl>
-                                          <p:spTgt spid="8"/>
+                                          <p:spTgt spid="10"/>
                                         </p:tgtEl>
                                         <p:attrNameLst>
                                           <p:attrName>style.visibility</p:attrName>
@@ -14732,7 +15874,7 @@
                                 </p:cTn>
                               </p:par>
                               <p:par>
-                                <p:cTn id="19" presetID="1" presetClass="entr" presetSubtype="0" fill="hold" grpId="0" nodeType="withEffect">
+                                <p:cTn id="19" presetID="1" presetClass="entr" presetSubtype="0" fill="hold" nodeType="withEffect">
                                   <p:stCondLst>
                                     <p:cond delay="0"/>
                                   </p:stCondLst>
@@ -14745,7 +15887,79 @@
                                           </p:stCondLst>
                                         </p:cTn>
                                         <p:tgtEl>
-                                          <p:spTgt spid="10"/>
+                                          <p:spTgt spid="11"/>
+                                        </p:tgtEl>
+                                        <p:attrNameLst>
+                                          <p:attrName>style.visibility</p:attrName>
+                                        </p:attrNameLst>
+                                      </p:cBhvr>
+                                      <p:to>
+                                        <p:strVal val="visible"/>
+                                      </p:to>
+                                    </p:set>
+                                  </p:childTnLst>
+                                </p:cTn>
+                              </p:par>
+                            </p:childTnLst>
+                          </p:cTn>
+                        </p:par>
+                      </p:childTnLst>
+                    </p:cTn>
+                  </p:par>
+                  <p:par>
+                    <p:cTn id="21" fill="hold">
+                      <p:stCondLst>
+                        <p:cond delay="indefinite"/>
+                      </p:stCondLst>
+                      <p:childTnLst>
+                        <p:par>
+                          <p:cTn id="22" fill="hold">
+                            <p:stCondLst>
+                              <p:cond delay="0"/>
+                            </p:stCondLst>
+                            <p:childTnLst>
+                              <p:par>
+                                <p:cTn id="23" presetID="1" presetClass="entr" presetSubtype="0" fill="hold" grpId="0" nodeType="clickEffect">
+                                  <p:stCondLst>
+                                    <p:cond delay="0"/>
+                                  </p:stCondLst>
+                                  <p:childTnLst>
+                                    <p:set>
+                                      <p:cBhvr>
+                                        <p:cTn id="24" dur="1" fill="hold">
+                                          <p:stCondLst>
+                                            <p:cond delay="9"/>
+                                          </p:stCondLst>
+                                        </p:cTn>
+                                        <p:tgtEl>
+                                          <p:spTgt spid="12"/>
+                                        </p:tgtEl>
+                                        <p:attrNameLst>
+                                          <p:attrName>style.visibility</p:attrName>
+                                        </p:attrNameLst>
+                                      </p:cBhvr>
+                                      <p:to>
+                                        <p:strVal val="visible"/>
+                                      </p:to>
+                                    </p:set>
+                                  </p:childTnLst>
+                                </p:cTn>
+                              </p:par>
+                              <p:par>
+                                <p:cTn id="25" presetID="1" presetClass="entr" presetSubtype="0" fill="hold" grpId="0" nodeType="withEffect">
+                                  <p:stCondLst>
+                                    <p:cond delay="0"/>
+                                  </p:stCondLst>
+                                  <p:childTnLst>
+                                    <p:set>
+                                      <p:cBhvr>
+                                        <p:cTn id="26" dur="1" fill="hold">
+                                          <p:stCondLst>
+                                            <p:cond delay="9"/>
+                                          </p:stCondLst>
+                                        </p:cTn>
+                                        <p:tgtEl>
+                                          <p:spTgt spid="13"/>
                                         </p:tgtEl>
                                         <p:attrNameLst>
                                           <p:attrName>style.visibility</p:attrName>
@@ -14789,12 +16003,14 @@
       <p:bldP spid="4" grpId="0"/>
       <p:bldP spid="9" grpId="0"/>
       <p:bldP spid="10" grpId="0"/>
+      <p:bldP spid="12" grpId="0"/>
+      <p:bldP spid="13" grpId="0"/>
     </p:bldLst>
   </p:timing>
 </p:sld>
 </file>
 
-<file path=ppt/slides/slide22.xml><?xml version="1.0" encoding="utf-8"?>
+<file path=ppt/slides/slide24.xml><?xml version="1.0" encoding="utf-8"?>
 <p:sld xmlns:a="http://schemas.openxmlformats.org/drawingml/2006/main" xmlns:r="http://schemas.openxmlformats.org/officeDocument/2006/relationships" xmlns:p="http://schemas.openxmlformats.org/presentationml/2006/main">
   <p:cSld>
     <p:spTree>
@@ -14879,7 +16095,7 @@
         </p:nvSpPr>
         <p:spPr>
           <a:xfrm>
-            <a:off x="1171271" y="4517279"/>
+            <a:off x="998813" y="4517279"/>
             <a:ext cx="7511284" cy="769441"/>
           </a:xfrm>
           <a:prstGeom prst="rect">
@@ -14916,7 +16132,7 @@
         </p:nvSpPr>
         <p:spPr>
           <a:xfrm>
-            <a:off x="1171271" y="5286720"/>
+            <a:off x="998813" y="5286720"/>
             <a:ext cx="7910965" cy="769441"/>
           </a:xfrm>
           <a:prstGeom prst="rect">
@@ -15074,231 +16290,6 @@
 </p:sld>
 </file>
 
-<file path=ppt/slides/slide23.xml><?xml version="1.0" encoding="utf-8"?>
-<p:sld xmlns:a="http://schemas.openxmlformats.org/drawingml/2006/main" xmlns:r="http://schemas.openxmlformats.org/officeDocument/2006/relationships" xmlns:p="http://schemas.openxmlformats.org/presentationml/2006/main">
-  <p:cSld>
-    <p:spTree>
-      <p:nvGrpSpPr>
-        <p:cNvPr id="1" name=""/>
-        <p:cNvGrpSpPr/>
-        <p:nvPr/>
-      </p:nvGrpSpPr>
-      <p:grpSpPr>
-        <a:xfrm>
-          <a:off x="0" y="0"/>
-          <a:ext cx="0" cy="0"/>
-          <a:chOff x="0" y="0"/>
-          <a:chExt cx="0" cy="0"/>
-        </a:xfrm>
-      </p:grpSpPr>
-      <p:sp>
-        <p:nvSpPr>
-          <p:cNvPr id="2" name="Title 1"/>
-          <p:cNvSpPr>
-            <a:spLocks noGrp="1"/>
-          </p:cNvSpPr>
-          <p:nvPr>
-            <p:ph type="title"/>
-          </p:nvPr>
-        </p:nvSpPr>
-        <p:spPr>
-          <a:xfrm>
-            <a:off x="188131" y="274638"/>
-            <a:ext cx="8669751" cy="1143000"/>
-          </a:xfrm>
-        </p:spPr>
-        <p:txBody>
-          <a:bodyPr>
-            <a:normAutofit fontScale="90000"/>
-          </a:bodyPr>
-          <a:lstStyle/>
-          <a:p>
-            <a:r>
-              <a:rPr lang="en-US" dirty="0"/>
-              <a:t>N</a:t>
-            </a:r>
-            <a:r>
-              <a:rPr lang="en-US" dirty="0" smtClean="0"/>
-              <a:t>o </a:t>
-            </a:r>
-            <a:r>
-              <a:rPr lang="en-US" dirty="0" smtClean="0"/>
-              <a:t>such </a:t>
-            </a:r>
-            <a:r>
-              <a:rPr lang="en-US" dirty="0" smtClean="0"/>
-              <a:t>thing as </a:t>
-            </a:r>
-            <a:r>
-              <a:rPr lang="en-US" dirty="0" smtClean="0"/>
-              <a:t>“</a:t>
-            </a:r>
-            <a:r>
-              <a:rPr lang="en-US" dirty="0" smtClean="0"/>
-              <a:t>Extremely Significant</a:t>
-            </a:r>
-            <a:r>
-              <a:rPr lang="en-US" dirty="0" smtClean="0"/>
-              <a:t>”</a:t>
-            </a:r>
-            <a:endParaRPr lang="en-US" dirty="0"/>
-          </a:p>
-        </p:txBody>
-      </p:sp>
-      <p:sp>
-        <p:nvSpPr>
-          <p:cNvPr id="3" name="Content Placeholder 2"/>
-          <p:cNvSpPr>
-            <a:spLocks noGrp="1"/>
-          </p:cNvSpPr>
-          <p:nvPr>
-            <p:ph idx="1"/>
-          </p:nvPr>
-        </p:nvSpPr>
-        <p:spPr/>
-        <p:txBody>
-          <a:bodyPr/>
-          <a:lstStyle/>
-          <a:p>
-            <a:r>
-              <a:rPr lang="en-US" dirty="0" smtClean="0"/>
-              <a:t>Difference in averages </a:t>
-            </a:r>
-            <a:r>
-              <a:rPr lang="en-US" dirty="0" smtClean="0"/>
-              <a:t>can be extreme or not</a:t>
-            </a:r>
-          </a:p>
-          <a:p>
-            <a:r>
-              <a:rPr lang="en-US" dirty="0" smtClean="0"/>
-              <a:t>Significance is binary: trust result, or not?</a:t>
-            </a:r>
-            <a:endParaRPr lang="en-US" dirty="0"/>
-          </a:p>
-        </p:txBody>
-      </p:sp>
-    </p:spTree>
-    <p:extLst>
-      <p:ext uri="{BB962C8B-B14F-4D97-AF65-F5344CB8AC3E}">
-        <p14:creationId xmlns:p14="http://schemas.microsoft.com/office/powerpoint/2010/main" val="2349809533"/>
-      </p:ext>
-    </p:extLst>
-  </p:cSld>
-  <p:clrMapOvr>
-    <a:masterClrMapping/>
-  </p:clrMapOvr>
-  <p:timing>
-    <p:tnLst>
-      <p:par>
-        <p:cTn xmlns:p14="http://schemas.microsoft.com/office/powerpoint/2010/main" id="1" dur="indefinite" restart="never" nodeType="tmRoot"/>
-      </p:par>
-    </p:tnLst>
-  </p:timing>
-</p:sld>
-</file>
-
-<file path=ppt/slides/slide24.xml><?xml version="1.0" encoding="utf-8"?>
-<p:sld xmlns:a="http://schemas.openxmlformats.org/drawingml/2006/main" xmlns:r="http://schemas.openxmlformats.org/officeDocument/2006/relationships" xmlns:p="http://schemas.openxmlformats.org/presentationml/2006/main">
-  <p:cSld>
-    <p:spTree>
-      <p:nvGrpSpPr>
-        <p:cNvPr id="1" name=""/>
-        <p:cNvGrpSpPr/>
-        <p:nvPr/>
-      </p:nvGrpSpPr>
-      <p:grpSpPr>
-        <a:xfrm>
-          <a:off x="0" y="0"/>
-          <a:ext cx="0" cy="0"/>
-          <a:chOff x="0" y="0"/>
-          <a:chExt cx="0" cy="0"/>
-        </a:xfrm>
-      </p:grpSpPr>
-      <p:sp>
-        <p:nvSpPr>
-          <p:cNvPr id="2" name="Title 1"/>
-          <p:cNvSpPr>
-            <a:spLocks noGrp="1"/>
-          </p:cNvSpPr>
-          <p:nvPr>
-            <p:ph type="title"/>
-          </p:nvPr>
-        </p:nvSpPr>
-        <p:spPr/>
-        <p:txBody>
-          <a:bodyPr/>
-          <a:lstStyle/>
-          <a:p>
-            <a:r>
-              <a:rPr lang="en-US" dirty="0" smtClean="0"/>
-              <a:t>T-Test is Just One Test</a:t>
-            </a:r>
-            <a:endParaRPr lang="en-US" dirty="0"/>
-          </a:p>
-        </p:txBody>
-      </p:sp>
-      <p:sp>
-        <p:nvSpPr>
-          <p:cNvPr id="3" name="Content Placeholder 2"/>
-          <p:cNvSpPr>
-            <a:spLocks noGrp="1"/>
-          </p:cNvSpPr>
-          <p:nvPr>
-            <p:ph idx="1"/>
-          </p:nvPr>
-        </p:nvSpPr>
-        <p:spPr/>
-        <p:txBody>
-          <a:bodyPr/>
-          <a:lstStyle/>
-          <a:p>
-            <a:r>
-              <a:rPr lang="en-US" dirty="0" smtClean="0"/>
-              <a:t>Just compares averages</a:t>
-            </a:r>
-          </a:p>
-          <a:p>
-            <a:r>
-              <a:rPr lang="en-US" dirty="0" smtClean="0"/>
-              <a:t>For more: </a:t>
-            </a:r>
-            <a:r>
-              <a:rPr lang="en-US" dirty="0" smtClean="0">
-                <a:hlinkClick r:id="rId2"/>
-              </a:rPr>
-              <a:t>https://en.wikipedia.org/wiki/Statistical_hypothesis_testing#Common_test_statistics</a:t>
-            </a:r>
-            <a:endParaRPr lang="en-US" dirty="0" smtClean="0"/>
-          </a:p>
-          <a:p>
-            <a:pPr marL="0" indent="0">
-              <a:buNone/>
-            </a:pPr>
-            <a:endParaRPr lang="en-US" dirty="0" smtClean="0"/>
-          </a:p>
-        </p:txBody>
-      </p:sp>
-    </p:spTree>
-    <p:extLst>
-      <p:ext uri="{BB962C8B-B14F-4D97-AF65-F5344CB8AC3E}">
-        <p14:creationId xmlns:p14="http://schemas.microsoft.com/office/powerpoint/2010/main" val="3422453387"/>
-      </p:ext>
-    </p:extLst>
-  </p:cSld>
-  <p:clrMapOvr>
-    <a:masterClrMapping/>
-  </p:clrMapOvr>
-  <p:timing>
-    <p:tnLst>
-      <p:par>
-        <p:cTn xmlns:p14="http://schemas.microsoft.com/office/powerpoint/2010/main" id="1" dur="indefinite" restart="never" nodeType="tmRoot"/>
-      </p:par>
-    </p:tnLst>
-  </p:timing>
-</p:sld>
-</file>
-
 <file path=ppt/slides/slide25.xml><?xml version="1.0" encoding="utf-8"?>
 <p:sld xmlns:a="http://schemas.openxmlformats.org/drawingml/2006/main" xmlns:r="http://schemas.openxmlformats.org/officeDocument/2006/relationships" xmlns:p="http://schemas.openxmlformats.org/presentationml/2006/main">
   <p:cSld>
@@ -15316,9 +16307,281 @@
           <a:chExt cx="0" cy="0"/>
         </a:xfrm>
       </p:grpSpPr>
+      <p:cxnSp>
+        <p:nvCxnSpPr>
+          <p:cNvPr id="4" name="Straight Connector 3"/>
+          <p:cNvCxnSpPr/>
+          <p:nvPr/>
+        </p:nvCxnSpPr>
+        <p:spPr>
+          <a:xfrm flipV="1">
+            <a:off x="1398598" y="4272141"/>
+            <a:ext cx="1348955" cy="1"/>
+          </a:xfrm>
+          <a:prstGeom prst="line">
+            <a:avLst/>
+          </a:prstGeom>
+          <a:ln w="57150" cmpd="sng">
+            <a:solidFill>
+              <a:srgbClr val="008000"/>
+            </a:solidFill>
+          </a:ln>
+        </p:spPr>
+        <p:style>
+          <a:lnRef idx="2">
+            <a:schemeClr val="accent1"/>
+          </a:lnRef>
+          <a:fillRef idx="0">
+            <a:schemeClr val="accent1"/>
+          </a:fillRef>
+          <a:effectRef idx="1">
+            <a:schemeClr val="accent1"/>
+          </a:effectRef>
+          <a:fontRef idx="minor">
+            <a:schemeClr val="tx1"/>
+          </a:fontRef>
+        </p:style>
+      </p:cxnSp>
+      <p:cxnSp>
+        <p:nvCxnSpPr>
+          <p:cNvPr id="5" name="Straight Connector 4"/>
+          <p:cNvCxnSpPr/>
+          <p:nvPr/>
+        </p:nvCxnSpPr>
+        <p:spPr>
+          <a:xfrm>
+            <a:off x="2143659" y="3483915"/>
+            <a:ext cx="1282258" cy="0"/>
+          </a:xfrm>
+          <a:prstGeom prst="line">
+            <a:avLst/>
+          </a:prstGeom>
+          <a:ln w="57150" cmpd="sng">
+            <a:solidFill>
+              <a:srgbClr val="008000"/>
+            </a:solidFill>
+          </a:ln>
+        </p:spPr>
+        <p:style>
+          <a:lnRef idx="2">
+            <a:schemeClr val="accent1"/>
+          </a:lnRef>
+          <a:fillRef idx="0">
+            <a:schemeClr val="accent1"/>
+          </a:fillRef>
+          <a:effectRef idx="1">
+            <a:schemeClr val="accent1"/>
+          </a:effectRef>
+          <a:fontRef idx="minor">
+            <a:schemeClr val="tx1"/>
+          </a:fontRef>
+        </p:style>
+      </p:cxnSp>
       <p:sp>
         <p:nvSpPr>
-          <p:cNvPr id="2" name="Title 1"/>
+          <p:cNvPr id="6" name="TextBox 5"/>
+          <p:cNvSpPr txBox="1"/>
+          <p:nvPr/>
+        </p:nvSpPr>
+        <p:spPr>
+          <a:xfrm>
+            <a:off x="1445632" y="3763753"/>
+            <a:ext cx="967733" cy="584776"/>
+          </a:xfrm>
+          <a:prstGeom prst="rect">
+            <a:avLst/>
+          </a:prstGeom>
+          <a:noFill/>
+        </p:spPr>
+        <p:txBody>
+          <a:bodyPr wrap="none" rtlCol="0">
+            <a:spAutoFit/>
+          </a:bodyPr>
+          <a:lstStyle/>
+          <a:p>
+            <a:r>
+              <a:rPr lang="en-US" sz="3200" dirty="0" smtClean="0"/>
+              <a:t>avg1</a:t>
+            </a:r>
+            <a:endParaRPr lang="en-US" sz="3200" dirty="0"/>
+          </a:p>
+        </p:txBody>
+      </p:sp>
+      <p:sp>
+        <p:nvSpPr>
+          <p:cNvPr id="7" name="TextBox 6"/>
+          <p:cNvSpPr txBox="1"/>
+          <p:nvPr/>
+        </p:nvSpPr>
+        <p:spPr>
+          <a:xfrm>
+            <a:off x="2456323" y="2966713"/>
+            <a:ext cx="967733" cy="584776"/>
+          </a:xfrm>
+          <a:prstGeom prst="rect">
+            <a:avLst/>
+          </a:prstGeom>
+          <a:noFill/>
+        </p:spPr>
+        <p:txBody>
+          <a:bodyPr wrap="none" rtlCol="0">
+            <a:spAutoFit/>
+          </a:bodyPr>
+          <a:lstStyle/>
+          <a:p>
+            <a:r>
+              <a:rPr lang="en-US" sz="3200" dirty="0" smtClean="0"/>
+              <a:t>avg2</a:t>
+            </a:r>
+            <a:endParaRPr lang="en-US" sz="3200" dirty="0"/>
+          </a:p>
+        </p:txBody>
+      </p:sp>
+      <p:cxnSp>
+        <p:nvCxnSpPr>
+          <p:cNvPr id="8" name="Straight Arrow Connector 7"/>
+          <p:cNvCxnSpPr/>
+          <p:nvPr/>
+        </p:nvCxnSpPr>
+        <p:spPr>
+          <a:xfrm>
+            <a:off x="3424056" y="1833805"/>
+            <a:ext cx="0" cy="3312216"/>
+          </a:xfrm>
+          <a:prstGeom prst="straightConnector1">
+            <a:avLst/>
+          </a:prstGeom>
+          <a:ln w="57150" cmpd="sng">
+            <a:solidFill>
+              <a:srgbClr val="008000"/>
+            </a:solidFill>
+            <a:headEnd type="arrow"/>
+            <a:tailEnd type="arrow"/>
+          </a:ln>
+        </p:spPr>
+        <p:style>
+          <a:lnRef idx="2">
+            <a:schemeClr val="accent1"/>
+          </a:lnRef>
+          <a:fillRef idx="0">
+            <a:schemeClr val="accent1"/>
+          </a:fillRef>
+          <a:effectRef idx="1">
+            <a:schemeClr val="accent1"/>
+          </a:effectRef>
+          <a:fontRef idx="minor">
+            <a:schemeClr val="tx1"/>
+          </a:fontRef>
+        </p:style>
+      </p:cxnSp>
+      <p:cxnSp>
+        <p:nvCxnSpPr>
+          <p:cNvPr id="9" name="Straight Arrow Connector 8"/>
+          <p:cNvCxnSpPr/>
+          <p:nvPr/>
+        </p:nvCxnSpPr>
+        <p:spPr>
+          <a:xfrm>
+            <a:off x="1398598" y="3405905"/>
+            <a:ext cx="0" cy="2038021"/>
+          </a:xfrm>
+          <a:prstGeom prst="straightConnector1">
+            <a:avLst/>
+          </a:prstGeom>
+          <a:ln w="57150" cmpd="sng">
+            <a:solidFill>
+              <a:srgbClr val="008000"/>
+            </a:solidFill>
+            <a:headEnd type="arrow"/>
+            <a:tailEnd type="arrow"/>
+          </a:ln>
+        </p:spPr>
+        <p:style>
+          <a:lnRef idx="2">
+            <a:schemeClr val="accent1"/>
+          </a:lnRef>
+          <a:fillRef idx="0">
+            <a:schemeClr val="accent1"/>
+          </a:fillRef>
+          <a:effectRef idx="1">
+            <a:schemeClr val="accent1"/>
+          </a:effectRef>
+          <a:fontRef idx="minor">
+            <a:schemeClr val="tx1"/>
+          </a:fontRef>
+        </p:style>
+      </p:cxnSp>
+      <p:sp>
+        <p:nvSpPr>
+          <p:cNvPr id="10" name="TextBox 9"/>
+          <p:cNvSpPr txBox="1"/>
+          <p:nvPr/>
+        </p:nvSpPr>
+        <p:spPr>
+          <a:xfrm rot="16200000">
+            <a:off x="32714" y="4095937"/>
+            <a:ext cx="1894469" cy="584776"/>
+          </a:xfrm>
+          <a:prstGeom prst="rect">
+            <a:avLst/>
+          </a:prstGeom>
+          <a:noFill/>
+        </p:spPr>
+        <p:txBody>
+          <a:bodyPr wrap="none" rtlCol="0">
+            <a:spAutoFit/>
+          </a:bodyPr>
+          <a:lstStyle/>
+          <a:p>
+            <a:r>
+              <a:rPr lang="en-US" sz="3200" dirty="0"/>
+              <a:t>v</a:t>
+            </a:r>
+            <a:r>
+              <a:rPr lang="en-US" sz="3200" dirty="0" smtClean="0"/>
+              <a:t>ariance 1</a:t>
+            </a:r>
+            <a:endParaRPr lang="en-US" sz="3200" dirty="0"/>
+          </a:p>
+        </p:txBody>
+      </p:sp>
+      <p:sp>
+        <p:nvSpPr>
+          <p:cNvPr id="11" name="TextBox 10"/>
+          <p:cNvSpPr txBox="1"/>
+          <p:nvPr/>
+        </p:nvSpPr>
+        <p:spPr>
+          <a:xfrm rot="16200000">
+            <a:off x="2834998" y="3126749"/>
+            <a:ext cx="1894469" cy="584776"/>
+          </a:xfrm>
+          <a:prstGeom prst="rect">
+            <a:avLst/>
+          </a:prstGeom>
+          <a:noFill/>
+        </p:spPr>
+        <p:txBody>
+          <a:bodyPr wrap="none" rtlCol="0">
+            <a:spAutoFit/>
+          </a:bodyPr>
+          <a:lstStyle/>
+          <a:p>
+            <a:r>
+              <a:rPr lang="en-US" sz="3200" dirty="0"/>
+              <a:t>v</a:t>
+            </a:r>
+            <a:r>
+              <a:rPr lang="en-US" sz="3200" dirty="0" smtClean="0"/>
+              <a:t>ariance 2</a:t>
+            </a:r>
+            <a:endParaRPr lang="en-US" sz="3200" dirty="0"/>
+          </a:p>
+        </p:txBody>
+      </p:sp>
+      <p:sp>
+        <p:nvSpPr>
+          <p:cNvPr id="12" name="Title 11"/>
           <p:cNvSpPr>
             <a:spLocks noGrp="1"/>
           </p:cNvSpPr>
@@ -15326,28 +16589,99 @@
             <p:ph type="title"/>
           </p:nvPr>
         </p:nvSpPr>
-        <p:spPr>
-          <a:xfrm>
-            <a:off x="457200" y="2667101"/>
-            <a:ext cx="8229600" cy="1143000"/>
-          </a:xfrm>
-        </p:spPr>
+        <p:spPr/>
         <p:txBody>
           <a:bodyPr/>
           <a:lstStyle/>
           <a:p>
             <a:r>
               <a:rPr lang="en-US" dirty="0" smtClean="0"/>
-              <a:t>Correlation, Linear Regression</a:t>
+              <a:t>T-Test </a:t>
+            </a:r>
+            <a:r>
+              <a:rPr lang="en-US" dirty="0" err="1" smtClean="0"/>
+              <a:t>Signifiance</a:t>
             </a:r>
             <a:endParaRPr lang="en-US" dirty="0"/>
+          </a:p>
+        </p:txBody>
+      </p:sp>
+      <p:sp>
+        <p:nvSpPr>
+          <p:cNvPr id="14" name="TextBox 13"/>
+          <p:cNvSpPr txBox="1"/>
+          <p:nvPr/>
+        </p:nvSpPr>
+        <p:spPr>
+          <a:xfrm>
+            <a:off x="5455827" y="2794257"/>
+            <a:ext cx="2953853" cy="1938992"/>
+          </a:xfrm>
+          <a:prstGeom prst="rect">
+            <a:avLst/>
+          </a:prstGeom>
+          <a:noFill/>
+        </p:spPr>
+        <p:txBody>
+          <a:bodyPr wrap="none" rtlCol="0">
+            <a:spAutoFit/>
+          </a:bodyPr>
+          <a:lstStyle/>
+          <a:p>
+            <a:r>
+              <a:rPr lang="en-US" sz="4000" dirty="0" smtClean="0"/>
+              <a:t># Samples</a:t>
+            </a:r>
+          </a:p>
+          <a:p>
+            <a:r>
+              <a:rPr lang="en-US" sz="4000" dirty="0" smtClean="0"/>
+              <a:t>Obama: &gt;1M</a:t>
+            </a:r>
+          </a:p>
+          <a:p>
+            <a:r>
+              <a:rPr lang="en-US" sz="4000" dirty="0" smtClean="0"/>
+              <a:t>McCain: &gt;1M</a:t>
+            </a:r>
+            <a:endParaRPr lang="en-US" sz="4000" dirty="0"/>
+          </a:p>
+        </p:txBody>
+      </p:sp>
+      <p:sp>
+        <p:nvSpPr>
+          <p:cNvPr id="15" name="TextBox 14"/>
+          <p:cNvSpPr txBox="1"/>
+          <p:nvPr/>
+        </p:nvSpPr>
+        <p:spPr>
+          <a:xfrm>
+            <a:off x="4577878" y="3387433"/>
+            <a:ext cx="440145" cy="707886"/>
+          </a:xfrm>
+          <a:prstGeom prst="rect">
+            <a:avLst/>
+          </a:prstGeom>
+          <a:noFill/>
+        </p:spPr>
+        <p:txBody>
+          <a:bodyPr wrap="none" rtlCol="0">
+            <a:spAutoFit/>
+          </a:bodyPr>
+          <a:lstStyle/>
+          <a:p>
+            <a:r>
+              <a:rPr lang="en-US" sz="4000" dirty="0" smtClean="0"/>
+              <a:t>+</a:t>
+            </a:r>
+            <a:endParaRPr lang="en-US" sz="4000" dirty="0"/>
           </a:p>
         </p:txBody>
       </p:sp>
     </p:spTree>
     <p:extLst>
       <p:ext uri="{BB962C8B-B14F-4D97-AF65-F5344CB8AC3E}">
-        <p14:creationId xmlns:p14="http://schemas.microsoft.com/office/powerpoint/2010/main" val="2858869788"/>
+        <p14:creationId xmlns:p14="http://schemas.microsoft.com/office/powerpoint/2010/main" val="1041910088"/>
       </p:ext>
     </p:extLst>
   </p:cSld>
@@ -15357,9 +16691,108 @@
   <p:timing>
     <p:tnLst>
       <p:par>
-        <p:cTn xmlns:p14="http://schemas.microsoft.com/office/powerpoint/2010/main" id="1" dur="indefinite" restart="never" nodeType="tmRoot"/>
+        <p:cTn xmlns:p14="http://schemas.microsoft.com/office/powerpoint/2010/main" id="1" dur="indefinite" restart="never" nodeType="tmRoot">
+          <p:childTnLst>
+            <p:seq concurrent="1" nextAc="seek">
+              <p:cTn id="2" dur="indefinite" nodeType="mainSeq">
+                <p:childTnLst>
+                  <p:par>
+                    <p:cTn id="3" fill="hold">
+                      <p:stCondLst>
+                        <p:cond delay="indefinite"/>
+                      </p:stCondLst>
+                      <p:childTnLst>
+                        <p:par>
+                          <p:cTn id="4" fill="hold">
+                            <p:stCondLst>
+                              <p:cond delay="0"/>
+                            </p:stCondLst>
+                            <p:childTnLst>
+                              <p:par>
+                                <p:cTn id="5" presetID="1" presetClass="entr" presetSubtype="0" fill="hold" grpId="0" nodeType="clickEffect">
+                                  <p:stCondLst>
+                                    <p:cond delay="0"/>
+                                  </p:stCondLst>
+                                  <p:childTnLst>
+                                    <p:set>
+                                      <p:cBhvr>
+                                        <p:cTn id="6" dur="1" fill="hold">
+                                          <p:stCondLst>
+                                            <p:cond delay="9"/>
+                                          </p:stCondLst>
+                                        </p:cTn>
+                                        <p:tgtEl>
+                                          <p:spTgt spid="14"/>
+                                        </p:tgtEl>
+                                        <p:attrNameLst>
+                                          <p:attrName>style.visibility</p:attrName>
+                                        </p:attrNameLst>
+                                      </p:cBhvr>
+                                      <p:to>
+                                        <p:strVal val="visible"/>
+                                      </p:to>
+                                    </p:set>
+                                  </p:childTnLst>
+                                </p:cTn>
+                              </p:par>
+                              <p:par>
+                                <p:cTn id="7" presetID="1" presetClass="entr" presetSubtype="0" fill="hold" grpId="0" nodeType="withEffect">
+                                  <p:stCondLst>
+                                    <p:cond delay="0"/>
+                                  </p:stCondLst>
+                                  <p:childTnLst>
+                                    <p:set>
+                                      <p:cBhvr>
+                                        <p:cTn id="8" dur="1" fill="hold">
+                                          <p:stCondLst>
+                                            <p:cond delay="9"/>
+                                          </p:stCondLst>
+                                        </p:cTn>
+                                        <p:tgtEl>
+                                          <p:spTgt spid="15"/>
+                                        </p:tgtEl>
+                                        <p:attrNameLst>
+                                          <p:attrName>style.visibility</p:attrName>
+                                        </p:attrNameLst>
+                                      </p:cBhvr>
+                                      <p:to>
+                                        <p:strVal val="visible"/>
+                                      </p:to>
+                                    </p:set>
+                                  </p:childTnLst>
+                                </p:cTn>
+                              </p:par>
+                            </p:childTnLst>
+                          </p:cTn>
+                        </p:par>
+                      </p:childTnLst>
+                    </p:cTn>
+                  </p:par>
+                </p:childTnLst>
+              </p:cTn>
+              <p:prevCondLst>
+                <p:cond evt="onPrev" delay="0">
+                  <p:tgtEl>
+                    <p:sldTgt/>
+                  </p:tgtEl>
+                </p:cond>
+              </p:prevCondLst>
+              <p:nextCondLst>
+                <p:cond evt="onNext" delay="0">
+                  <p:tgtEl>
+                    <p:sldTgt/>
+                  </p:tgtEl>
+                </p:cond>
+              </p:nextCondLst>
+            </p:seq>
+          </p:childTnLst>
+        </p:cTn>
       </p:par>
     </p:tnLst>
+    <p:bldLst>
+      <p:bldP spid="14" grpId="0"/>
+      <p:bldP spid="15" grpId="0"/>
+    </p:bldLst>
   </p:timing>
 </p:sld>
 </file>
@@ -15391,6 +16824,171 @@
             <p:ph type="title"/>
           </p:nvPr>
         </p:nvSpPr>
+        <p:spPr>
+          <a:xfrm>
+            <a:off x="188131" y="274638"/>
+            <a:ext cx="8669751" cy="1143000"/>
+          </a:xfrm>
+        </p:spPr>
+        <p:txBody>
+          <a:bodyPr>
+            <a:normAutofit fontScale="90000"/>
+          </a:bodyPr>
+          <a:lstStyle/>
+          <a:p>
+            <a:r>
+              <a:rPr lang="en-US" dirty="0"/>
+              <a:t>N</a:t>
+            </a:r>
+            <a:r>
+              <a:rPr lang="en-US" dirty="0" smtClean="0"/>
+              <a:t>o such thing as “Extremely Significant”</a:t>
+            </a:r>
+            <a:endParaRPr lang="en-US" dirty="0"/>
+          </a:p>
+        </p:txBody>
+      </p:sp>
+      <p:sp>
+        <p:nvSpPr>
+          <p:cNvPr id="3" name="Content Placeholder 2"/>
+          <p:cNvSpPr>
+            <a:spLocks noGrp="1"/>
+          </p:cNvSpPr>
+          <p:nvPr>
+            <p:ph idx="1"/>
+          </p:nvPr>
+        </p:nvSpPr>
+        <p:spPr/>
+        <p:txBody>
+          <a:bodyPr/>
+          <a:lstStyle/>
+          <a:p>
+            <a:r>
+              <a:rPr lang="en-US" dirty="0" smtClean="0"/>
+              <a:t>Difference in averages can be extreme or not</a:t>
+            </a:r>
+          </a:p>
+          <a:p>
+            <a:r>
+              <a:rPr lang="en-US" dirty="0" smtClean="0"/>
+              <a:t>Significance is binary: trust result, or not?</a:t>
+            </a:r>
+            <a:endParaRPr lang="en-US" dirty="0"/>
+          </a:p>
+        </p:txBody>
+      </p:sp>
+    </p:spTree>
+    <p:extLst>
+      <p:ext uri="{BB962C8B-B14F-4D97-AF65-F5344CB8AC3E}">
+        <p14:creationId xmlns:p14="http://schemas.microsoft.com/office/powerpoint/2010/main" val="2349809533"/>
+      </p:ext>
+    </p:extLst>
+  </p:cSld>
+  <p:clrMapOvr>
+    <a:masterClrMapping/>
+  </p:clrMapOvr>
+  <p:timing>
+    <p:tnLst>
+      <p:par>
+        <p:cTn xmlns:p14="http://schemas.microsoft.com/office/powerpoint/2010/main" id="1" dur="indefinite" restart="never" nodeType="tmRoot"/>
+      </p:par>
+    </p:tnLst>
+  </p:timing>
+</p:sld>
+</file>
+
+<file path=ppt/slides/slide27.xml><?xml version="1.0" encoding="utf-8"?>
+<p:sld xmlns:a="http://schemas.openxmlformats.org/drawingml/2006/main" xmlns:r="http://schemas.openxmlformats.org/officeDocument/2006/relationships" xmlns:p="http://schemas.openxmlformats.org/presentationml/2006/main">
+  <p:cSld>
+    <p:spTree>
+      <p:nvGrpSpPr>
+        <p:cNvPr id="1" name=""/>
+        <p:cNvGrpSpPr/>
+        <p:nvPr/>
+      </p:nvGrpSpPr>
+      <p:grpSpPr>
+        <a:xfrm>
+          <a:off x="0" y="0"/>
+          <a:ext cx="0" cy="0"/>
+          <a:chOff x="0" y="0"/>
+          <a:chExt cx="0" cy="0"/>
+        </a:xfrm>
+      </p:grpSpPr>
+      <p:sp>
+        <p:nvSpPr>
+          <p:cNvPr id="2" name="Title 1"/>
+          <p:cNvSpPr>
+            <a:spLocks noGrp="1"/>
+          </p:cNvSpPr>
+          <p:nvPr>
+            <p:ph type="title"/>
+          </p:nvPr>
+        </p:nvSpPr>
+        <p:spPr>
+          <a:xfrm>
+            <a:off x="457200" y="2667101"/>
+            <a:ext cx="8229600" cy="1143000"/>
+          </a:xfrm>
+        </p:spPr>
+        <p:txBody>
+          <a:bodyPr/>
+          <a:lstStyle/>
+          <a:p>
+            <a:r>
+              <a:rPr lang="en-US" dirty="0" smtClean="0"/>
+              <a:t>Correlation, Linear Regression</a:t>
+            </a:r>
+            <a:endParaRPr lang="en-US" dirty="0"/>
+          </a:p>
+        </p:txBody>
+      </p:sp>
+    </p:spTree>
+    <p:extLst>
+      <p:ext uri="{BB962C8B-B14F-4D97-AF65-F5344CB8AC3E}">
+        <p14:creationId xmlns:p14="http://schemas.microsoft.com/office/powerpoint/2010/main" val="2858869788"/>
+      </p:ext>
+    </p:extLst>
+  </p:cSld>
+  <p:clrMapOvr>
+    <a:masterClrMapping/>
+  </p:clrMapOvr>
+  <p:timing>
+    <p:tnLst>
+      <p:par>
+        <p:cTn xmlns:p14="http://schemas.microsoft.com/office/powerpoint/2010/main" id="1" dur="indefinite" restart="never" nodeType="tmRoot"/>
+      </p:par>
+    </p:tnLst>
+  </p:timing>
+</p:sld>
+</file>
+
+<file path=ppt/slides/slide28.xml><?xml version="1.0" encoding="utf-8"?>
+<p:sld xmlns:a="http://schemas.openxmlformats.org/drawingml/2006/main" xmlns:r="http://schemas.openxmlformats.org/officeDocument/2006/relationships" xmlns:p="http://schemas.openxmlformats.org/presentationml/2006/main">
+  <p:cSld>
+    <p:spTree>
+      <p:nvGrpSpPr>
+        <p:cNvPr id="1" name=""/>
+        <p:cNvGrpSpPr/>
+        <p:nvPr/>
+      </p:nvGrpSpPr>
+      <p:grpSpPr>
+        <a:xfrm>
+          <a:off x="0" y="0"/>
+          <a:ext cx="0" cy="0"/>
+          <a:chOff x="0" y="0"/>
+          <a:chExt cx="0" cy="0"/>
+        </a:xfrm>
+      </p:grpSpPr>
+      <p:sp>
+        <p:nvSpPr>
+          <p:cNvPr id="2" name="Title 1"/>
+          <p:cNvSpPr>
+            <a:spLocks noGrp="1"/>
+          </p:cNvSpPr>
+          <p:nvPr>
+            <p:ph type="title"/>
+          </p:nvPr>
+        </p:nvSpPr>
         <p:spPr/>
         <p:txBody>
           <a:bodyPr/>
@@ -15503,7 +17101,7 @@
 </p:sld>
 </file>
 
-<file path=ppt/slides/slide27.xml><?xml version="1.0" encoding="utf-8"?>
+<file path=ppt/slides/slide29.xml><?xml version="1.0" encoding="utf-8"?>
 <p:sld xmlns:a="http://schemas.openxmlformats.org/drawingml/2006/main" xmlns:r="http://schemas.openxmlformats.org/officeDocument/2006/relationships" xmlns:p="http://schemas.openxmlformats.org/presentationml/2006/main">
   <p:cSld>
     <p:spTree>
@@ -15730,7 +17328,311 @@
 </p:sld>
 </file>
 
-<file path=ppt/slides/slide28.xml><?xml version="1.0" encoding="utf-8"?>
+<file path=ppt/slides/slide3.xml><?xml version="1.0" encoding="utf-8"?>
+<p:sld xmlns:a="http://schemas.openxmlformats.org/drawingml/2006/main" xmlns:r="http://schemas.openxmlformats.org/officeDocument/2006/relationships" xmlns:p="http://schemas.openxmlformats.org/presentationml/2006/main">
+  <p:cSld>
+    <p:spTree>
+      <p:nvGrpSpPr>
+        <p:cNvPr id="1" name=""/>
+        <p:cNvGrpSpPr/>
+        <p:nvPr/>
+      </p:nvGrpSpPr>
+      <p:grpSpPr>
+        <a:xfrm>
+          <a:off x="0" y="0"/>
+          <a:ext cx="0" cy="0"/>
+          <a:chOff x="0" y="0"/>
+          <a:chExt cx="0" cy="0"/>
+        </a:xfrm>
+      </p:grpSpPr>
+      <p:sp>
+        <p:nvSpPr>
+          <p:cNvPr id="2" name="Title 1"/>
+          <p:cNvSpPr>
+            <a:spLocks noGrp="1"/>
+          </p:cNvSpPr>
+          <p:nvPr>
+            <p:ph type="title"/>
+          </p:nvPr>
+        </p:nvSpPr>
+        <p:spPr>
+          <a:xfrm>
+            <a:off x="457200" y="1030890"/>
+            <a:ext cx="8229600" cy="1143000"/>
+          </a:xfrm>
+        </p:spPr>
+        <p:txBody>
+          <a:bodyPr/>
+          <a:lstStyle/>
+          <a:p>
+            <a:r>
+              <a:rPr lang="en-US" dirty="0" smtClean="0"/>
+              <a:t>Visualizations </a:t>
+            </a:r>
+            <a:r>
+              <a:rPr lang="en-US" dirty="0" smtClean="0">
+                <a:sym typeface="Wingdings"/>
+              </a:rPr>
+              <a:t></a:t>
+            </a:r>
+            <a:r>
+              <a:rPr lang="en-US" dirty="0" smtClean="0"/>
+              <a:t> sanity check</a:t>
+            </a:r>
+            <a:endParaRPr lang="en-US" dirty="0"/>
+          </a:p>
+        </p:txBody>
+      </p:sp>
+      <p:sp>
+        <p:nvSpPr>
+          <p:cNvPr id="3" name="Title 1"/>
+          <p:cNvSpPr txBox="1">
+            <a:spLocks/>
+          </p:cNvSpPr>
+          <p:nvPr/>
+        </p:nvSpPr>
+        <p:spPr>
+          <a:xfrm>
+            <a:off x="457200" y="2978040"/>
+            <a:ext cx="8229600" cy="1143000"/>
+          </a:xfrm>
+          <a:prstGeom prst="rect">
+            <a:avLst/>
+          </a:prstGeom>
+        </p:spPr>
+        <p:txBody>
+          <a:bodyPr vert="horz" lIns="91440" tIns="45720" rIns="91440" bIns="45720" rtlCol="0" anchor="ctr">
+            <a:normAutofit/>
+          </a:bodyPr>
+          <a:lstStyle>
+            <a:lvl1pPr algn="ctr" defTabSz="457200" rtl="0" eaLnBrk="1" latinLnBrk="0" hangingPunct="1">
+              <a:spcBef>
+                <a:spcPct val="0"/>
+              </a:spcBef>
+              <a:buNone/>
+              <a:defRPr sz="4400" kern="1200">
+                <a:solidFill>
+                  <a:schemeClr val="tx1"/>
+                </a:solidFill>
+                <a:latin typeface="+mj-lt"/>
+                <a:ea typeface="+mj-ea"/>
+                <a:cs typeface="+mj-cs"/>
+              </a:defRPr>
+            </a:lvl1pPr>
+          </a:lstStyle>
+          <a:p>
+            <a:r>
+              <a:rPr lang="en-US" dirty="0" smtClean="0"/>
+              <a:t>Statistics </a:t>
+            </a:r>
+            <a:r>
+              <a:rPr lang="en-US" dirty="0" smtClean="0">
+                <a:sym typeface="Wingdings"/>
+              </a:rPr>
+              <a:t> </a:t>
+            </a:r>
+            <a:r>
+              <a:rPr lang="en-US" dirty="0" smtClean="0"/>
+              <a:t>quantify the hunch</a:t>
+            </a:r>
+            <a:endParaRPr lang="en-US" dirty="0"/>
+          </a:p>
+        </p:txBody>
+      </p:sp>
+      <p:sp>
+        <p:nvSpPr>
+          <p:cNvPr id="5" name="Title 1"/>
+          <p:cNvSpPr txBox="1">
+            <a:spLocks/>
+          </p:cNvSpPr>
+          <p:nvPr/>
+        </p:nvSpPr>
+        <p:spPr>
+          <a:xfrm>
+            <a:off x="457200" y="4949192"/>
+            <a:ext cx="8229600" cy="1143000"/>
+          </a:xfrm>
+          <a:prstGeom prst="rect">
+            <a:avLst/>
+          </a:prstGeom>
+        </p:spPr>
+        <p:txBody>
+          <a:bodyPr vert="horz" lIns="91440" tIns="45720" rIns="91440" bIns="45720" rtlCol="0" anchor="ctr">
+            <a:normAutofit/>
+          </a:bodyPr>
+          <a:lstStyle>
+            <a:lvl1pPr algn="ctr" defTabSz="457200" rtl="0" eaLnBrk="1" latinLnBrk="0" hangingPunct="1">
+              <a:spcBef>
+                <a:spcPct val="0"/>
+              </a:spcBef>
+              <a:buNone/>
+              <a:defRPr sz="4400" kern="1200">
+                <a:solidFill>
+                  <a:schemeClr val="tx1"/>
+                </a:solidFill>
+                <a:latin typeface="+mj-lt"/>
+                <a:ea typeface="+mj-ea"/>
+                <a:cs typeface="+mj-cs"/>
+              </a:defRPr>
+            </a:lvl1pPr>
+          </a:lstStyle>
+          <a:p>
+            <a:r>
+              <a:rPr lang="en-US" dirty="0" smtClean="0"/>
+              <a:t>(Visualizations </a:t>
+            </a:r>
+            <a:r>
+              <a:rPr lang="en-US" dirty="0" smtClean="0">
+                <a:sym typeface="Wingdings"/>
+              </a:rPr>
+              <a:t> </a:t>
+            </a:r>
+            <a:r>
+              <a:rPr lang="en-US" dirty="0" smtClean="0"/>
+              <a:t>storytelling)</a:t>
+            </a:r>
+            <a:endParaRPr lang="en-US" dirty="0"/>
+          </a:p>
+        </p:txBody>
+      </p:sp>
+    </p:spTree>
+    <p:extLst>
+      <p:ext uri="{BB962C8B-B14F-4D97-AF65-F5344CB8AC3E}">
+        <p14:creationId xmlns:p14="http://schemas.microsoft.com/office/powerpoint/2010/main" val="1221609519"/>
+      </p:ext>
+    </p:extLst>
+  </p:cSld>
+  <p:clrMapOvr>
+    <a:masterClrMapping/>
+  </p:clrMapOvr>
+  <p:timing>
+    <p:tnLst>
+      <p:par>
+        <p:cTn xmlns:p14="http://schemas.microsoft.com/office/powerpoint/2010/main" id="1" dur="indefinite" restart="never" nodeType="tmRoot">
+          <p:childTnLst>
+            <p:seq concurrent="1" nextAc="seek">
+              <p:cTn id="2" dur="indefinite" nodeType="mainSeq">
+                <p:childTnLst>
+                  <p:par>
+                    <p:cTn id="3" fill="hold">
+                      <p:stCondLst>
+                        <p:cond delay="indefinite"/>
+                      </p:stCondLst>
+                      <p:childTnLst>
+                        <p:par>
+                          <p:cTn id="4" fill="hold">
+                            <p:stCondLst>
+                              <p:cond delay="0"/>
+                            </p:stCondLst>
+                            <p:childTnLst>
+                              <p:par>
+                                <p:cTn id="5" presetID="1" presetClass="entr" presetSubtype="0" fill="hold" grpId="0" nodeType="clickEffect">
+                                  <p:stCondLst>
+                                    <p:cond delay="0"/>
+                                  </p:stCondLst>
+                                  <p:childTnLst>
+                                    <p:set>
+                                      <p:cBhvr>
+                                        <p:cTn id="6" dur="1" fill="hold">
+                                          <p:stCondLst>
+                                            <p:cond delay="9"/>
+                                          </p:stCondLst>
+                                        </p:cTn>
+                                        <p:tgtEl>
+                                          <p:spTgt spid="3"/>
+                                        </p:tgtEl>
+                                        <p:attrNameLst>
+                                          <p:attrName>style.visibility</p:attrName>
+                                        </p:attrNameLst>
+                                      </p:cBhvr>
+                                      <p:to>
+                                        <p:strVal val="visible"/>
+                                      </p:to>
+                                    </p:set>
+                                  </p:childTnLst>
+                                </p:cTn>
+                              </p:par>
+                            </p:childTnLst>
+                          </p:cTn>
+                        </p:par>
+                      </p:childTnLst>
+                    </p:cTn>
+                  </p:par>
+                  <p:par>
+                    <p:cTn id="7" fill="hold">
+                      <p:stCondLst>
+                        <p:cond delay="indefinite"/>
+                      </p:stCondLst>
+                      <p:childTnLst>
+                        <p:par>
+                          <p:cTn id="8" fill="hold">
+                            <p:stCondLst>
+                              <p:cond delay="0"/>
+                            </p:stCondLst>
+                            <p:childTnLst>
+                              <p:par>
+                                <p:cTn id="9" presetID="1" presetClass="entr" presetSubtype="0" fill="hold" grpId="0" nodeType="clickEffect">
+                                  <p:stCondLst>
+                                    <p:cond delay="0"/>
+                                  </p:stCondLst>
+                                  <p:childTnLst>
+                                    <p:set>
+                                      <p:cBhvr>
+                                        <p:cTn id="10" dur="1" fill="hold">
+                                          <p:stCondLst>
+                                            <p:cond delay="9"/>
+                                          </p:stCondLst>
+                                        </p:cTn>
+                                        <p:tgtEl>
+                                          <p:spTgt spid="5"/>
+                                        </p:tgtEl>
+                                        <p:attrNameLst>
+                                          <p:attrName>style.visibility</p:attrName>
+                                        </p:attrNameLst>
+                                      </p:cBhvr>
+                                      <p:to>
+                                        <p:strVal val="visible"/>
+                                      </p:to>
+                                    </p:set>
+                                  </p:childTnLst>
+                                </p:cTn>
+                              </p:par>
+                            </p:childTnLst>
+                          </p:cTn>
+                        </p:par>
+                      </p:childTnLst>
+                    </p:cTn>
+                  </p:par>
+                </p:childTnLst>
+              </p:cTn>
+              <p:prevCondLst>
+                <p:cond evt="onPrev" delay="0">
+                  <p:tgtEl>
+                    <p:sldTgt/>
+                  </p:tgtEl>
+                </p:cond>
+              </p:prevCondLst>
+              <p:nextCondLst>
+                <p:cond evt="onNext" delay="0">
+                  <p:tgtEl>
+                    <p:sldTgt/>
+                  </p:tgtEl>
+                </p:cond>
+              </p:nextCondLst>
+            </p:seq>
+          </p:childTnLst>
+        </p:cTn>
+      </p:par>
+    </p:tnLst>
+    <p:bldLst>
+      <p:bldP spid="3" grpId="0"/>
+      <p:bldP spid="5" grpId="0"/>
+    </p:bldLst>
+  </p:timing>
+</p:sld>
+</file>
+
+<file path=ppt/slides/slide30.xml><?xml version="1.0" encoding="utf-8"?>
 <p:sld xmlns:a="http://schemas.openxmlformats.org/drawingml/2006/main" xmlns:r="http://schemas.openxmlformats.org/officeDocument/2006/relationships" xmlns:p="http://schemas.openxmlformats.org/presentationml/2006/main">
   <p:cSld>
     <p:spTree>
@@ -16948,7 +18850,7 @@
 </p:sld>
 </file>
 
-<file path=ppt/slides/slide29.xml><?xml version="1.0" encoding="utf-8"?>
+<file path=ppt/slides/slide31.xml><?xml version="1.0" encoding="utf-8"?>
 <p:sld xmlns:a="http://schemas.openxmlformats.org/drawingml/2006/main" xmlns:r="http://schemas.openxmlformats.org/officeDocument/2006/relationships" xmlns:p="http://schemas.openxmlformats.org/presentationml/2006/main">
   <p:cSld>
     <p:spTree>
@@ -17372,311 +19274,7 @@
 </p:sld>
 </file>
 
-<file path=ppt/slides/slide3.xml><?xml version="1.0" encoding="utf-8"?>
-<p:sld xmlns:a="http://schemas.openxmlformats.org/drawingml/2006/main" xmlns:r="http://schemas.openxmlformats.org/officeDocument/2006/relationships" xmlns:p="http://schemas.openxmlformats.org/presentationml/2006/main">
-  <p:cSld>
-    <p:spTree>
-      <p:nvGrpSpPr>
-        <p:cNvPr id="1" name=""/>
-        <p:cNvGrpSpPr/>
-        <p:nvPr/>
-      </p:nvGrpSpPr>
-      <p:grpSpPr>
-        <a:xfrm>
-          <a:off x="0" y="0"/>
-          <a:ext cx="0" cy="0"/>
-          <a:chOff x="0" y="0"/>
-          <a:chExt cx="0" cy="0"/>
-        </a:xfrm>
-      </p:grpSpPr>
-      <p:sp>
-        <p:nvSpPr>
-          <p:cNvPr id="2" name="Title 1"/>
-          <p:cNvSpPr>
-            <a:spLocks noGrp="1"/>
-          </p:cNvSpPr>
-          <p:nvPr>
-            <p:ph type="title"/>
-          </p:nvPr>
-        </p:nvSpPr>
-        <p:spPr>
-          <a:xfrm>
-            <a:off x="457200" y="1030890"/>
-            <a:ext cx="8229600" cy="1143000"/>
-          </a:xfrm>
-        </p:spPr>
-        <p:txBody>
-          <a:bodyPr/>
-          <a:lstStyle/>
-          <a:p>
-            <a:r>
-              <a:rPr lang="en-US" dirty="0" smtClean="0"/>
-              <a:t>Visualizations </a:t>
-            </a:r>
-            <a:r>
-              <a:rPr lang="en-US" dirty="0" smtClean="0">
-                <a:sym typeface="Wingdings"/>
-              </a:rPr>
-              <a:t></a:t>
-            </a:r>
-            <a:r>
-              <a:rPr lang="en-US" dirty="0" smtClean="0"/>
-              <a:t> sanity check</a:t>
-            </a:r>
-            <a:endParaRPr lang="en-US" dirty="0"/>
-          </a:p>
-        </p:txBody>
-      </p:sp>
-      <p:sp>
-        <p:nvSpPr>
-          <p:cNvPr id="3" name="Title 1"/>
-          <p:cNvSpPr txBox="1">
-            <a:spLocks/>
-          </p:cNvSpPr>
-          <p:nvPr/>
-        </p:nvSpPr>
-        <p:spPr>
-          <a:xfrm>
-            <a:off x="457200" y="2978040"/>
-            <a:ext cx="8229600" cy="1143000"/>
-          </a:xfrm>
-          <a:prstGeom prst="rect">
-            <a:avLst/>
-          </a:prstGeom>
-        </p:spPr>
-        <p:txBody>
-          <a:bodyPr vert="horz" lIns="91440" tIns="45720" rIns="91440" bIns="45720" rtlCol="0" anchor="ctr">
-            <a:normAutofit/>
-          </a:bodyPr>
-          <a:lstStyle>
-            <a:lvl1pPr algn="ctr" defTabSz="457200" rtl="0" eaLnBrk="1" latinLnBrk="0" hangingPunct="1">
-              <a:spcBef>
-                <a:spcPct val="0"/>
-              </a:spcBef>
-              <a:buNone/>
-              <a:defRPr sz="4400" kern="1200">
-                <a:solidFill>
-                  <a:schemeClr val="tx1"/>
-                </a:solidFill>
-                <a:latin typeface="+mj-lt"/>
-                <a:ea typeface="+mj-ea"/>
-                <a:cs typeface="+mj-cs"/>
-              </a:defRPr>
-            </a:lvl1pPr>
-          </a:lstStyle>
-          <a:p>
-            <a:r>
-              <a:rPr lang="en-US" dirty="0" smtClean="0"/>
-              <a:t>Statistics </a:t>
-            </a:r>
-            <a:r>
-              <a:rPr lang="en-US" dirty="0" smtClean="0">
-                <a:sym typeface="Wingdings"/>
-              </a:rPr>
-              <a:t> </a:t>
-            </a:r>
-            <a:r>
-              <a:rPr lang="en-US" dirty="0" smtClean="0"/>
-              <a:t>quantify the hunch</a:t>
-            </a:r>
-            <a:endParaRPr lang="en-US" dirty="0"/>
-          </a:p>
-        </p:txBody>
-      </p:sp>
-      <p:sp>
-        <p:nvSpPr>
-          <p:cNvPr id="5" name="Title 1"/>
-          <p:cNvSpPr txBox="1">
-            <a:spLocks/>
-          </p:cNvSpPr>
-          <p:nvPr/>
-        </p:nvSpPr>
-        <p:spPr>
-          <a:xfrm>
-            <a:off x="457200" y="4949192"/>
-            <a:ext cx="8229600" cy="1143000"/>
-          </a:xfrm>
-          <a:prstGeom prst="rect">
-            <a:avLst/>
-          </a:prstGeom>
-        </p:spPr>
-        <p:txBody>
-          <a:bodyPr vert="horz" lIns="91440" tIns="45720" rIns="91440" bIns="45720" rtlCol="0" anchor="ctr">
-            <a:normAutofit/>
-          </a:bodyPr>
-          <a:lstStyle>
-            <a:lvl1pPr algn="ctr" defTabSz="457200" rtl="0" eaLnBrk="1" latinLnBrk="0" hangingPunct="1">
-              <a:spcBef>
-                <a:spcPct val="0"/>
-              </a:spcBef>
-              <a:buNone/>
-              <a:defRPr sz="4400" kern="1200">
-                <a:solidFill>
-                  <a:schemeClr val="tx1"/>
-                </a:solidFill>
-                <a:latin typeface="+mj-lt"/>
-                <a:ea typeface="+mj-ea"/>
-                <a:cs typeface="+mj-cs"/>
-              </a:defRPr>
-            </a:lvl1pPr>
-          </a:lstStyle>
-          <a:p>
-            <a:r>
-              <a:rPr lang="en-US" dirty="0" smtClean="0"/>
-              <a:t>(Visualizations </a:t>
-            </a:r>
-            <a:r>
-              <a:rPr lang="en-US" dirty="0" smtClean="0">
-                <a:sym typeface="Wingdings"/>
-              </a:rPr>
-              <a:t> </a:t>
-            </a:r>
-            <a:r>
-              <a:rPr lang="en-US" dirty="0" smtClean="0"/>
-              <a:t>storytelling)</a:t>
-            </a:r>
-            <a:endParaRPr lang="en-US" dirty="0"/>
-          </a:p>
-        </p:txBody>
-      </p:sp>
-    </p:spTree>
-    <p:extLst>
-      <p:ext uri="{BB962C8B-B14F-4D97-AF65-F5344CB8AC3E}">
-        <p14:creationId xmlns:p14="http://schemas.microsoft.com/office/powerpoint/2010/main" val="1221609519"/>
-      </p:ext>
-    </p:extLst>
-  </p:cSld>
-  <p:clrMapOvr>
-    <a:masterClrMapping/>
-  </p:clrMapOvr>
-  <p:timing>
-    <p:tnLst>
-      <p:par>
-        <p:cTn xmlns:p14="http://schemas.microsoft.com/office/powerpoint/2010/main" id="1" dur="indefinite" restart="never" nodeType="tmRoot">
-          <p:childTnLst>
-            <p:seq concurrent="1" nextAc="seek">
-              <p:cTn id="2" dur="indefinite" nodeType="mainSeq">
-                <p:childTnLst>
-                  <p:par>
-                    <p:cTn id="3" fill="hold">
-                      <p:stCondLst>
-                        <p:cond delay="indefinite"/>
-                      </p:stCondLst>
-                      <p:childTnLst>
-                        <p:par>
-                          <p:cTn id="4" fill="hold">
-                            <p:stCondLst>
-                              <p:cond delay="0"/>
-                            </p:stCondLst>
-                            <p:childTnLst>
-                              <p:par>
-                                <p:cTn id="5" presetID="1" presetClass="entr" presetSubtype="0" fill="hold" grpId="0" nodeType="clickEffect">
-                                  <p:stCondLst>
-                                    <p:cond delay="0"/>
-                                  </p:stCondLst>
-                                  <p:childTnLst>
-                                    <p:set>
-                                      <p:cBhvr>
-                                        <p:cTn id="6" dur="1" fill="hold">
-                                          <p:stCondLst>
-                                            <p:cond delay="9"/>
-                                          </p:stCondLst>
-                                        </p:cTn>
-                                        <p:tgtEl>
-                                          <p:spTgt spid="3"/>
-                                        </p:tgtEl>
-                                        <p:attrNameLst>
-                                          <p:attrName>style.visibility</p:attrName>
-                                        </p:attrNameLst>
-                                      </p:cBhvr>
-                                      <p:to>
-                                        <p:strVal val="visible"/>
-                                      </p:to>
-                                    </p:set>
-                                  </p:childTnLst>
-                                </p:cTn>
-                              </p:par>
-                            </p:childTnLst>
-                          </p:cTn>
-                        </p:par>
-                      </p:childTnLst>
-                    </p:cTn>
-                  </p:par>
-                  <p:par>
-                    <p:cTn id="7" fill="hold">
-                      <p:stCondLst>
-                        <p:cond delay="indefinite"/>
-                      </p:stCondLst>
-                      <p:childTnLst>
-                        <p:par>
-                          <p:cTn id="8" fill="hold">
-                            <p:stCondLst>
-                              <p:cond delay="0"/>
-                            </p:stCondLst>
-                            <p:childTnLst>
-                              <p:par>
-                                <p:cTn id="9" presetID="1" presetClass="entr" presetSubtype="0" fill="hold" grpId="0" nodeType="clickEffect">
-                                  <p:stCondLst>
-                                    <p:cond delay="0"/>
-                                  </p:stCondLst>
-                                  <p:childTnLst>
-                                    <p:set>
-                                      <p:cBhvr>
-                                        <p:cTn id="10" dur="1" fill="hold">
-                                          <p:stCondLst>
-                                            <p:cond delay="9"/>
-                                          </p:stCondLst>
-                                        </p:cTn>
-                                        <p:tgtEl>
-                                          <p:spTgt spid="5"/>
-                                        </p:tgtEl>
-                                        <p:attrNameLst>
-                                          <p:attrName>style.visibility</p:attrName>
-                                        </p:attrNameLst>
-                                      </p:cBhvr>
-                                      <p:to>
-                                        <p:strVal val="visible"/>
-                                      </p:to>
-                                    </p:set>
-                                  </p:childTnLst>
-                                </p:cTn>
-                              </p:par>
-                            </p:childTnLst>
-                          </p:cTn>
-                        </p:par>
-                      </p:childTnLst>
-                    </p:cTn>
-                  </p:par>
-                </p:childTnLst>
-              </p:cTn>
-              <p:prevCondLst>
-                <p:cond evt="onPrev" delay="0">
-                  <p:tgtEl>
-                    <p:sldTgt/>
-                  </p:tgtEl>
-                </p:cond>
-              </p:prevCondLst>
-              <p:nextCondLst>
-                <p:cond evt="onNext" delay="0">
-                  <p:tgtEl>
-                    <p:sldTgt/>
-                  </p:tgtEl>
-                </p:cond>
-              </p:nextCondLst>
-            </p:seq>
-          </p:childTnLst>
-        </p:cTn>
-      </p:par>
-    </p:tnLst>
-    <p:bldLst>
-      <p:bldP spid="3" grpId="0"/>
-      <p:bldP spid="5" grpId="0"/>
-    </p:bldLst>
-  </p:timing>
-</p:sld>
-</file>
-
-<file path=ppt/slides/slide30.xml><?xml version="1.0" encoding="utf-8"?>
+<file path=ppt/slides/slide32.xml><?xml version="1.0" encoding="utf-8"?>
 <p:sld xmlns:a="http://schemas.openxmlformats.org/drawingml/2006/main" xmlns:r="http://schemas.openxmlformats.org/officeDocument/2006/relationships" xmlns:p="http://schemas.openxmlformats.org/presentationml/2006/main">
   <p:cSld>
     <p:spTree>
@@ -17736,7 +19334,7 @@
 </p:sld>
 </file>
 
-<file path=ppt/slides/slide31.xml><?xml version="1.0" encoding="utf-8"?>
+<file path=ppt/slides/slide33.xml><?xml version="1.0" encoding="utf-8"?>
 <p:sld xmlns:a="http://schemas.openxmlformats.org/drawingml/2006/main" xmlns:r="http://schemas.openxmlformats.org/officeDocument/2006/relationships" xmlns:p="http://schemas.openxmlformats.org/presentationml/2006/main">
   <p:cSld>
     <p:spTree>
@@ -17797,7 +19395,7 @@
 </p:sld>
 </file>
 
-<file path=ppt/slides/slide32.xml><?xml version="1.0" encoding="utf-8"?>
+<file path=ppt/slides/slide34.xml><?xml version="1.0" encoding="utf-8"?>
 <p:sld xmlns:a="http://schemas.openxmlformats.org/drawingml/2006/main" xmlns:r="http://schemas.openxmlformats.org/officeDocument/2006/relationships" xmlns:p="http://schemas.openxmlformats.org/presentationml/2006/main">
   <p:cSld>
     <p:spTree>
@@ -17973,7 +19571,7 @@
 </p:sld>
 </file>
 
-<file path=ppt/slides/slide33.xml><?xml version="1.0" encoding="utf-8"?>
+<file path=ppt/slides/slide35.xml><?xml version="1.0" encoding="utf-8"?>
 <p:sld xmlns:a="http://schemas.openxmlformats.org/drawingml/2006/main" xmlns:r="http://schemas.openxmlformats.org/officeDocument/2006/relationships" xmlns:p="http://schemas.openxmlformats.org/presentationml/2006/main">
   <p:cSld>
     <p:spTree>
@@ -18291,7 +19889,7 @@
                                       <p:cBhvr>
                                         <p:cTn id="6" dur="1" fill="hold">
                                           <p:stCondLst>
-                                            <p:cond delay="9"/>
+                                            <p:cond delay="0"/>
                                           </p:stCondLst>
                                         </p:cTn>
                                         <p:tgtEl>
@@ -18308,35 +19906,26 @@
                                   </p:childTnLst>
                                 </p:cTn>
                               </p:par>
+                            </p:childTnLst>
+                          </p:cTn>
+                        </p:par>
+                      </p:childTnLst>
+                    </p:cTn>
+                  </p:par>
+                  <p:par>
+                    <p:cTn id="7" fill="hold">
+                      <p:stCondLst>
+                        <p:cond delay="indefinite"/>
+                      </p:stCondLst>
+                      <p:childTnLst>
+                        <p:par>
+                          <p:cTn id="8" fill="hold">
+                            <p:stCondLst>
+                              <p:cond delay="0"/>
+                            </p:stCondLst>
+                            <p:childTnLst>
                               <p:par>
-                                <p:cTn id="7" presetID="1" presetClass="entr" presetSubtype="0" fill="hold" grpId="0" nodeType="withEffect">
-                                  <p:stCondLst>
-                                    <p:cond delay="0"/>
-                                  </p:stCondLst>
-                                  <p:childTnLst>
-                                    <p:set>
-                                      <p:cBhvr>
-                                        <p:cTn id="8" dur="1" fill="hold">
-                                          <p:stCondLst>
-                                            <p:cond delay="9"/>
-                                          </p:stCondLst>
-                                        </p:cTn>
-                                        <p:tgtEl>
-                                          <p:spTgt spid="4"/>
-                                        </p:tgtEl>
-                                        <p:attrNameLst>
-                                          <p:attrName>style.visibility</p:attrName>
-                                        </p:attrNameLst>
-                                      </p:cBhvr>
-                                      <p:to>
-                                        <p:strVal val="visible"/>
-                                      </p:to>
-                                    </p:set>
-                                  </p:childTnLst>
-                                </p:cTn>
-                              </p:par>
-                              <p:par>
-                                <p:cTn id="9" presetID="1" presetClass="entr" presetSubtype="0" fill="hold" grpId="0" nodeType="withEffect">
+                                <p:cTn id="9" presetID="1" presetClass="entr" presetSubtype="0" fill="hold" nodeType="clickEffect">
                                   <p:stCondLst>
                                     <p:cond delay="0"/>
                                   </p:stCondLst>
@@ -18349,7 +19938,7 @@
                                           </p:stCondLst>
                                         </p:cTn>
                                         <p:tgtEl>
-                                          <p:spTgt spid="5"/>
+                                          <p:spTgt spid="8"/>
                                         </p:tgtEl>
                                         <p:attrNameLst>
                                           <p:attrName>style.visibility</p:attrName>
@@ -18376,7 +19965,7 @@
                                           </p:stCondLst>
                                         </p:cTn>
                                         <p:tgtEl>
-                                          <p:spTgt spid="6"/>
+                                          <p:spTgt spid="4"/>
                                         </p:tgtEl>
                                         <p:attrNameLst>
                                           <p:attrName>style.visibility</p:attrName>
@@ -18389,35 +19978,26 @@
                                   </p:childTnLst>
                                 </p:cTn>
                               </p:par>
+                            </p:childTnLst>
+                          </p:cTn>
+                        </p:par>
+                      </p:childTnLst>
+                    </p:cTn>
+                  </p:par>
+                  <p:par>
+                    <p:cTn id="13" fill="hold">
+                      <p:stCondLst>
+                        <p:cond delay="indefinite"/>
+                      </p:stCondLst>
+                      <p:childTnLst>
+                        <p:par>
+                          <p:cTn id="14" fill="hold">
+                            <p:stCondLst>
+                              <p:cond delay="0"/>
+                            </p:stCondLst>
+                            <p:childTnLst>
                               <p:par>
-                                <p:cTn id="13" presetID="1" presetClass="entr" presetSubtype="0" fill="hold" nodeType="withEffect">
-                                  <p:stCondLst>
-                                    <p:cond delay="0"/>
-                                  </p:stCondLst>
-                                  <p:childTnLst>
-                                    <p:set>
-                                      <p:cBhvr>
-                                        <p:cTn id="14" dur="1" fill="hold">
-                                          <p:stCondLst>
-                                            <p:cond delay="9"/>
-                                          </p:stCondLst>
-                                        </p:cTn>
-                                        <p:tgtEl>
-                                          <p:spTgt spid="8"/>
-                                        </p:tgtEl>
-                                        <p:attrNameLst>
-                                          <p:attrName>style.visibility</p:attrName>
-                                        </p:attrNameLst>
-                                      </p:cBhvr>
-                                      <p:to>
-                                        <p:strVal val="visible"/>
-                                      </p:to>
-                                    </p:set>
-                                  </p:childTnLst>
-                                </p:cTn>
-                              </p:par>
-                              <p:par>
-                                <p:cTn id="15" presetID="1" presetClass="entr" presetSubtype="0" fill="hold" nodeType="withEffect">
+                                <p:cTn id="15" presetID="1" presetClass="entr" presetSubtype="0" fill="hold" grpId="0" nodeType="clickEffect">
                                   <p:stCondLst>
                                     <p:cond delay="0"/>
                                   </p:stCondLst>
@@ -18430,7 +20010,7 @@
                                           </p:stCondLst>
                                         </p:cTn>
                                         <p:tgtEl>
-                                          <p:spTgt spid="9"/>
+                                          <p:spTgt spid="5"/>
                                         </p:tgtEl>
                                         <p:attrNameLst>
                                           <p:attrName>style.visibility</p:attrName>
@@ -18452,6 +20032,78 @@
                                     <p:set>
                                       <p:cBhvr>
                                         <p:cTn id="18" dur="1" fill="hold">
+                                          <p:stCondLst>
+                                            <p:cond delay="9"/>
+                                          </p:stCondLst>
+                                        </p:cTn>
+                                        <p:tgtEl>
+                                          <p:spTgt spid="9"/>
+                                        </p:tgtEl>
+                                        <p:attrNameLst>
+                                          <p:attrName>style.visibility</p:attrName>
+                                        </p:attrNameLst>
+                                      </p:cBhvr>
+                                      <p:to>
+                                        <p:strVal val="visible"/>
+                                      </p:to>
+                                    </p:set>
+                                  </p:childTnLst>
+                                </p:cTn>
+                              </p:par>
+                            </p:childTnLst>
+                          </p:cTn>
+                        </p:par>
+                      </p:childTnLst>
+                    </p:cTn>
+                  </p:par>
+                  <p:par>
+                    <p:cTn id="19" fill="hold">
+                      <p:stCondLst>
+                        <p:cond delay="indefinite"/>
+                      </p:stCondLst>
+                      <p:childTnLst>
+                        <p:par>
+                          <p:cTn id="20" fill="hold">
+                            <p:stCondLst>
+                              <p:cond delay="0"/>
+                            </p:stCondLst>
+                            <p:childTnLst>
+                              <p:par>
+                                <p:cTn id="21" presetID="1" presetClass="entr" presetSubtype="0" fill="hold" grpId="0" nodeType="clickEffect">
+                                  <p:stCondLst>
+                                    <p:cond delay="0"/>
+                                  </p:stCondLst>
+                                  <p:childTnLst>
+                                    <p:set>
+                                      <p:cBhvr>
+                                        <p:cTn id="22" dur="1" fill="hold">
+                                          <p:stCondLst>
+                                            <p:cond delay="9"/>
+                                          </p:stCondLst>
+                                        </p:cTn>
+                                        <p:tgtEl>
+                                          <p:spTgt spid="6"/>
+                                        </p:tgtEl>
+                                        <p:attrNameLst>
+                                          <p:attrName>style.visibility</p:attrName>
+                                        </p:attrNameLst>
+                                      </p:cBhvr>
+                                      <p:to>
+                                        <p:strVal val="visible"/>
+                                      </p:to>
+                                    </p:set>
+                                  </p:childTnLst>
+                                </p:cTn>
+                              </p:par>
+                              <p:par>
+                                <p:cTn id="23" presetID="1" presetClass="entr" presetSubtype="0" fill="hold" nodeType="withEffect">
+                                  <p:stCondLst>
+                                    <p:cond delay="0"/>
+                                  </p:stCondLst>
+                                  <p:childTnLst>
+                                    <p:set>
+                                      <p:cBhvr>
+                                        <p:cTn id="24" dur="1" fill="hold">
                                           <p:stCondLst>
                                             <p:cond delay="9"/>
                                           </p:stCondLst>
@@ -18507,7 +20159,7 @@
 </p:sld>
 </file>
 
-<file path=ppt/slides/slide34.xml><?xml version="1.0" encoding="utf-8"?>
+<file path=ppt/slides/slide36.xml><?xml version="1.0" encoding="utf-8"?>
 <p:sld xmlns:a="http://schemas.openxmlformats.org/drawingml/2006/main" xmlns:r="http://schemas.openxmlformats.org/officeDocument/2006/relationships" xmlns:p="http://schemas.openxmlformats.org/presentationml/2006/main">
   <p:cSld>
     <p:spTree>
@@ -18532,8 +20184,8 @@
         </p:nvSpPr>
         <p:spPr>
           <a:xfrm>
-            <a:off x="3374356" y="311032"/>
-            <a:ext cx="2435908" cy="769441"/>
+            <a:off x="184693" y="311032"/>
+            <a:ext cx="8815234" cy="3785652"/>
           </a:xfrm>
           <a:prstGeom prst="rect">
             <a:avLst/>
@@ -18547,10 +20199,75 @@
           <a:lstStyle/>
           <a:p>
             <a:pPr algn="ctr"/>
-            <a:r>
-              <a:rPr lang="en-US" sz="4400" dirty="0" smtClean="0"/>
-              <a:t>Lab Time!</a:t>
-            </a:r>
+            <a:endParaRPr lang="en-US" sz="4000" dirty="0" smtClean="0"/>
+          </a:p>
+          <a:p>
+            <a:pPr algn="ctr"/>
+            <a:endParaRPr lang="en-US" sz="4000" dirty="0"/>
+          </a:p>
+          <a:p>
+            <a:pPr algn="ctr"/>
+            <a:endParaRPr lang="en-US" sz="4000" dirty="0" smtClean="0"/>
+          </a:p>
+          <a:p>
+            <a:pPr algn="ctr"/>
+            <a:r>
+              <a:rPr lang="en-US" sz="4000" dirty="0" smtClean="0"/>
+              <a:t>Remember to </a:t>
+            </a:r>
+            <a:r>
+              <a:rPr lang="en-US" sz="4000" b="1" dirty="0" err="1" smtClean="0">
+                <a:solidFill>
+                  <a:srgbClr val="008000"/>
+                </a:solidFill>
+              </a:rPr>
+              <a:t>git</a:t>
+            </a:r>
+            <a:r>
+              <a:rPr lang="en-US" sz="4000" b="1" dirty="0" smtClean="0">
+                <a:solidFill>
+                  <a:srgbClr val="008000"/>
+                </a:solidFill>
+              </a:rPr>
+              <a:t> pull</a:t>
+            </a:r>
+            <a:endParaRPr lang="en-US" sz="4000" b="1" dirty="0">
+              <a:solidFill>
+                <a:srgbClr val="008000"/>
+              </a:solidFill>
+            </a:endParaRPr>
+          </a:p>
+          <a:p>
+            <a:pPr algn="ctr"/>
+            <a:endParaRPr lang="en-US" sz="4000" dirty="0" smtClean="0"/>
+          </a:p>
+          <a:p>
+            <a:pPr algn="ctr"/>
+            <a:r>
+              <a:rPr lang="en-US" sz="4000" dirty="0" smtClean="0"/>
+              <a:t>http</a:t>
+            </a:r>
+            <a:r>
+              <a:rPr lang="en-US" sz="4000" dirty="0"/>
+              <a:t>://</a:t>
+            </a:r>
+            <a:r>
+              <a:rPr lang="en-US" sz="4000" dirty="0" err="1"/>
+              <a:t>dataiap.github.com</a:t>
+            </a:r>
+            <a:r>
+              <a:rPr lang="en-US" sz="4000" dirty="0"/>
+              <a:t>/</a:t>
+            </a:r>
+            <a:r>
+              <a:rPr lang="en-US" sz="4000" dirty="0" err="1"/>
+              <a:t>dataiap</a:t>
+            </a:r>
+            <a:r>
+              <a:rPr lang="en-US" sz="4000" dirty="0"/>
+              <a:t>/day3/</a:t>
+            </a:r>
+            <a:endParaRPr lang="en-US" sz="4000" dirty="0" smtClean="0"/>
           </a:p>
         </p:txBody>
       </p:sp>

--- a/lectures/day3.pptx
+++ b/lectures/day3.pptx
@@ -5,7 +5,7 @@
     <p:sldMasterId id="2147483648" r:id="rId1"/>
   </p:sldMasterIdLst>
   <p:notesMasterIdLst>
-    <p:notesMasterId r:id="rId38"/>
+    <p:notesMasterId r:id="rId37"/>
   </p:notesMasterIdLst>
   <p:sldIdLst>
     <p:sldId id="256" r:id="rId2"/>
@@ -33,17 +33,16 @@
     <p:sldId id="305" r:id="rId24"/>
     <p:sldId id="279" r:id="rId25"/>
     <p:sldId id="309" r:id="rId26"/>
-    <p:sldId id="270" r:id="rId27"/>
-    <p:sldId id="272" r:id="rId28"/>
-    <p:sldId id="280" r:id="rId29"/>
-    <p:sldId id="273" r:id="rId30"/>
-    <p:sldId id="271" r:id="rId31"/>
-    <p:sldId id="276" r:id="rId32"/>
-    <p:sldId id="275" r:id="rId33"/>
+    <p:sldId id="272" r:id="rId27"/>
+    <p:sldId id="280" r:id="rId28"/>
+    <p:sldId id="273" r:id="rId29"/>
+    <p:sldId id="271" r:id="rId30"/>
+    <p:sldId id="276" r:id="rId31"/>
+    <p:sldId id="275" r:id="rId32"/>
+    <p:sldId id="277" r:id="rId33"/>
     <p:sldId id="306" r:id="rId34"/>
-    <p:sldId id="277" r:id="rId35"/>
-    <p:sldId id="300" r:id="rId36"/>
-    <p:sldId id="301" r:id="rId37"/>
+    <p:sldId id="300" r:id="rId35"/>
+    <p:sldId id="301" r:id="rId36"/>
   </p:sldIdLst>
   <p:sldSz cx="9144000" cy="6858000" type="screen4x3"/>
   <p:notesSz cx="6858000" cy="9144000"/>
@@ -637,19 +636,27 @@
           <a:p>
             <a:r>
               <a:rPr lang="en-US" dirty="0" smtClean="0"/>
-              <a:t>https://</a:t>
+              <a:t>http://2.bp.blogspot.com/_V5gBGYc5EYM/</a:t>
             </a:r>
             <a:r>
               <a:rPr lang="en-US" dirty="0" err="1" smtClean="0"/>
-              <a:t>eu.art.com</a:t>
+              <a:t>TLJHJCSkcxI</a:t>
             </a:r>
             <a:r>
               <a:rPr lang="en-US" dirty="0" smtClean="0"/>
-              <a:t>/products/p10018489953-sa-i5785795/warning-zombies-</a:t>
+              <a:t>/AAAAAAAAB1w/</a:t>
             </a:r>
             <a:r>
               <a:rPr lang="en-US" dirty="0" err="1" smtClean="0"/>
-              <a:t>ahead.htm</a:t>
+              <a:t>NdJxNoIEELU</a:t>
+            </a:r>
+            <a:r>
+              <a:rPr lang="en-US" dirty="0" smtClean="0"/>
+              <a:t>/s1600/unhappy-</a:t>
+            </a:r>
+            <a:r>
+              <a:rPr lang="en-US" dirty="0" err="1" smtClean="0"/>
+              <a:t>boy.jpg</a:t>
             </a:r>
             <a:endParaRPr lang="en-US" dirty="0"/>
           </a:p>
@@ -672,7 +679,7 @@
           <a:p>
             <a:fld id="{AB21FFB6-8403-4E42-9EBD-C4DD6B67E132}" type="slidenum">
               <a:rPr lang="en-US" smtClean="0"/>
-              <a:t>33</a:t>
+              <a:t>32</a:t>
             </a:fld>
             <a:endParaRPr lang="en-US"/>
           </a:p>
@@ -681,7 +688,7 @@
     </p:spTree>
     <p:extLst>
       <p:ext uri="{BB962C8B-B14F-4D97-AF65-F5344CB8AC3E}">
-        <p14:creationId xmlns:p14="http://schemas.microsoft.com/office/powerpoint/2010/main" val="1544909037"/>
+        <p14:creationId xmlns:p14="http://schemas.microsoft.com/office/powerpoint/2010/main" val="3825951583"/>
       </p:ext>
     </p:extLst>
   </p:cSld>
@@ -737,27 +744,19 @@
           <a:p>
             <a:r>
               <a:rPr lang="en-US" dirty="0" smtClean="0"/>
-              <a:t>http://2.bp.blogspot.com/_V5gBGYc5EYM/</a:t>
+              <a:t>https://</a:t>
             </a:r>
             <a:r>
               <a:rPr lang="en-US" dirty="0" err="1" smtClean="0"/>
-              <a:t>TLJHJCSkcxI</a:t>
+              <a:t>eu.art.com</a:t>
             </a:r>
             <a:r>
               <a:rPr lang="en-US" dirty="0" smtClean="0"/>
-              <a:t>/AAAAAAAAB1w/</a:t>
+              <a:t>/products/p10018489953-sa-i5785795/warning-zombies-</a:t>
             </a:r>
             <a:r>
               <a:rPr lang="en-US" dirty="0" err="1" smtClean="0"/>
-              <a:t>NdJxNoIEELU</a:t>
-            </a:r>
-            <a:r>
-              <a:rPr lang="en-US" dirty="0" smtClean="0"/>
-              <a:t>/s1600/unhappy-</a:t>
-            </a:r>
-            <a:r>
-              <a:rPr lang="en-US" dirty="0" err="1" smtClean="0"/>
-              <a:t>boy.jpg</a:t>
+              <a:t>ahead.htm</a:t>
             </a:r>
             <a:endParaRPr lang="en-US" dirty="0"/>
           </a:p>
@@ -780,7 +779,7 @@
           <a:p>
             <a:fld id="{AB21FFB6-8403-4E42-9EBD-C4DD6B67E132}" type="slidenum">
               <a:rPr lang="en-US" smtClean="0"/>
-              <a:t>34</a:t>
+              <a:t>33</a:t>
             </a:fld>
             <a:endParaRPr lang="en-US"/>
           </a:p>
@@ -789,7 +788,7 @@
     </p:spTree>
     <p:extLst>
       <p:ext uri="{BB962C8B-B14F-4D97-AF65-F5344CB8AC3E}">
-        <p14:creationId xmlns:p14="http://schemas.microsoft.com/office/powerpoint/2010/main" val="3825951583"/>
+        <p14:creationId xmlns:p14="http://schemas.microsoft.com/office/powerpoint/2010/main" val="1544909037"/>
       </p:ext>
     </p:extLst>
   </p:cSld>
@@ -1608,7 +1607,7 @@
           <a:p>
             <a:fld id="{AB21FFB6-8403-4E42-9EBD-C4DD6B67E132}" type="slidenum">
               <a:rPr lang="en-US" smtClean="0"/>
-              <a:t>30</a:t>
+              <a:t>29</a:t>
             </a:fld>
             <a:endParaRPr lang="en-US"/>
           </a:p>
@@ -16826,52 +16825,17 @@
         </p:nvSpPr>
         <p:spPr>
           <a:xfrm>
-            <a:off x="188131" y="274638"/>
-            <a:ext cx="8669751" cy="1143000"/>
-          </a:xfrm>
-        </p:spPr>
-        <p:txBody>
-          <a:bodyPr>
-            <a:normAutofit fontScale="90000"/>
-          </a:bodyPr>
-          <a:lstStyle/>
-          <a:p>
-            <a:r>
-              <a:rPr lang="en-US" dirty="0"/>
-              <a:t>N</a:t>
-            </a:r>
-            <a:r>
-              <a:rPr lang="en-US" dirty="0" smtClean="0"/>
-              <a:t>o such thing as “Extremely Significant”</a:t>
-            </a:r>
-            <a:endParaRPr lang="en-US" dirty="0"/>
-          </a:p>
-        </p:txBody>
-      </p:sp>
-      <p:sp>
-        <p:nvSpPr>
-          <p:cNvPr id="3" name="Content Placeholder 2"/>
-          <p:cNvSpPr>
-            <a:spLocks noGrp="1"/>
-          </p:cNvSpPr>
-          <p:nvPr>
-            <p:ph idx="1"/>
-          </p:nvPr>
-        </p:nvSpPr>
-        <p:spPr/>
+            <a:off x="457200" y="2667101"/>
+            <a:ext cx="8229600" cy="1143000"/>
+          </a:xfrm>
+        </p:spPr>
         <p:txBody>
           <a:bodyPr/>
           <a:lstStyle/>
           <a:p>
             <a:r>
               <a:rPr lang="en-US" dirty="0" smtClean="0"/>
-              <a:t>Difference in averages can be extreme or not</a:t>
-            </a:r>
-          </a:p>
-          <a:p>
-            <a:r>
-              <a:rPr lang="en-US" dirty="0" smtClean="0"/>
-              <a:t>Significance is binary: trust result, or not?</a:t>
+              <a:t>Correlation, Linear Regression</a:t>
             </a:r>
             <a:endParaRPr lang="en-US" dirty="0"/>
           </a:p>
@@ -16880,7 +16844,7 @@
     </p:spTree>
     <p:extLst>
       <p:ext uri="{BB962C8B-B14F-4D97-AF65-F5344CB8AC3E}">
-        <p14:creationId xmlns:p14="http://schemas.microsoft.com/office/powerpoint/2010/main" val="2349809533"/>
+        <p14:creationId xmlns:p14="http://schemas.microsoft.com/office/powerpoint/2010/main" val="2858869788"/>
       </p:ext>
     </p:extLst>
   </p:cSld>
@@ -16924,71 +16888,6 @@
             <p:ph type="title"/>
           </p:nvPr>
         </p:nvSpPr>
-        <p:spPr>
-          <a:xfrm>
-            <a:off x="457200" y="2667101"/>
-            <a:ext cx="8229600" cy="1143000"/>
-          </a:xfrm>
-        </p:spPr>
-        <p:txBody>
-          <a:bodyPr/>
-          <a:lstStyle/>
-          <a:p>
-            <a:r>
-              <a:rPr lang="en-US" dirty="0" smtClean="0"/>
-              <a:t>Correlation, Linear Regression</a:t>
-            </a:r>
-            <a:endParaRPr lang="en-US" dirty="0"/>
-          </a:p>
-        </p:txBody>
-      </p:sp>
-    </p:spTree>
-    <p:extLst>
-      <p:ext uri="{BB962C8B-B14F-4D97-AF65-F5344CB8AC3E}">
-        <p14:creationId xmlns:p14="http://schemas.microsoft.com/office/powerpoint/2010/main" val="2858869788"/>
-      </p:ext>
-    </p:extLst>
-  </p:cSld>
-  <p:clrMapOvr>
-    <a:masterClrMapping/>
-  </p:clrMapOvr>
-  <p:timing>
-    <p:tnLst>
-      <p:par>
-        <p:cTn xmlns:p14="http://schemas.microsoft.com/office/powerpoint/2010/main" id="1" dur="indefinite" restart="never" nodeType="tmRoot"/>
-      </p:par>
-    </p:tnLst>
-  </p:timing>
-</p:sld>
-</file>
-
-<file path=ppt/slides/slide28.xml><?xml version="1.0" encoding="utf-8"?>
-<p:sld xmlns:a="http://schemas.openxmlformats.org/drawingml/2006/main" xmlns:r="http://schemas.openxmlformats.org/officeDocument/2006/relationships" xmlns:p="http://schemas.openxmlformats.org/presentationml/2006/main">
-  <p:cSld>
-    <p:spTree>
-      <p:nvGrpSpPr>
-        <p:cNvPr id="1" name=""/>
-        <p:cNvGrpSpPr/>
-        <p:nvPr/>
-      </p:nvGrpSpPr>
-      <p:grpSpPr>
-        <a:xfrm>
-          <a:off x="0" y="0"/>
-          <a:ext cx="0" cy="0"/>
-          <a:chOff x="0" y="0"/>
-          <a:chExt cx="0" cy="0"/>
-        </a:xfrm>
-      </p:grpSpPr>
-      <p:sp>
-        <p:nvSpPr>
-          <p:cNvPr id="2" name="Title 1"/>
-          <p:cNvSpPr>
-            <a:spLocks noGrp="1"/>
-          </p:cNvSpPr>
-          <p:nvPr>
-            <p:ph type="title"/>
-          </p:nvPr>
-        </p:nvSpPr>
         <p:spPr/>
         <p:txBody>
           <a:bodyPr/>
@@ -17101,7 +17000,7 @@
 </p:sld>
 </file>
 
-<file path=ppt/slides/slide29.xml><?xml version="1.0" encoding="utf-8"?>
+<file path=ppt/slides/slide28.xml><?xml version="1.0" encoding="utf-8"?>
 <p:sld xmlns:a="http://schemas.openxmlformats.org/drawingml/2006/main" xmlns:r="http://schemas.openxmlformats.org/officeDocument/2006/relationships" xmlns:p="http://schemas.openxmlformats.org/presentationml/2006/main">
   <p:cSld>
     <p:spTree>
@@ -17328,311 +17227,7 @@
 </p:sld>
 </file>
 
-<file path=ppt/slides/slide3.xml><?xml version="1.0" encoding="utf-8"?>
-<p:sld xmlns:a="http://schemas.openxmlformats.org/drawingml/2006/main" xmlns:r="http://schemas.openxmlformats.org/officeDocument/2006/relationships" xmlns:p="http://schemas.openxmlformats.org/presentationml/2006/main">
-  <p:cSld>
-    <p:spTree>
-      <p:nvGrpSpPr>
-        <p:cNvPr id="1" name=""/>
-        <p:cNvGrpSpPr/>
-        <p:nvPr/>
-      </p:nvGrpSpPr>
-      <p:grpSpPr>
-        <a:xfrm>
-          <a:off x="0" y="0"/>
-          <a:ext cx="0" cy="0"/>
-          <a:chOff x="0" y="0"/>
-          <a:chExt cx="0" cy="0"/>
-        </a:xfrm>
-      </p:grpSpPr>
-      <p:sp>
-        <p:nvSpPr>
-          <p:cNvPr id="2" name="Title 1"/>
-          <p:cNvSpPr>
-            <a:spLocks noGrp="1"/>
-          </p:cNvSpPr>
-          <p:nvPr>
-            <p:ph type="title"/>
-          </p:nvPr>
-        </p:nvSpPr>
-        <p:spPr>
-          <a:xfrm>
-            <a:off x="457200" y="1030890"/>
-            <a:ext cx="8229600" cy="1143000"/>
-          </a:xfrm>
-        </p:spPr>
-        <p:txBody>
-          <a:bodyPr/>
-          <a:lstStyle/>
-          <a:p>
-            <a:r>
-              <a:rPr lang="en-US" dirty="0" smtClean="0"/>
-              <a:t>Visualizations </a:t>
-            </a:r>
-            <a:r>
-              <a:rPr lang="en-US" dirty="0" smtClean="0">
-                <a:sym typeface="Wingdings"/>
-              </a:rPr>
-              <a:t></a:t>
-            </a:r>
-            <a:r>
-              <a:rPr lang="en-US" dirty="0" smtClean="0"/>
-              <a:t> sanity check</a:t>
-            </a:r>
-            <a:endParaRPr lang="en-US" dirty="0"/>
-          </a:p>
-        </p:txBody>
-      </p:sp>
-      <p:sp>
-        <p:nvSpPr>
-          <p:cNvPr id="3" name="Title 1"/>
-          <p:cNvSpPr txBox="1">
-            <a:spLocks/>
-          </p:cNvSpPr>
-          <p:nvPr/>
-        </p:nvSpPr>
-        <p:spPr>
-          <a:xfrm>
-            <a:off x="457200" y="2978040"/>
-            <a:ext cx="8229600" cy="1143000"/>
-          </a:xfrm>
-          <a:prstGeom prst="rect">
-            <a:avLst/>
-          </a:prstGeom>
-        </p:spPr>
-        <p:txBody>
-          <a:bodyPr vert="horz" lIns="91440" tIns="45720" rIns="91440" bIns="45720" rtlCol="0" anchor="ctr">
-            <a:normAutofit/>
-          </a:bodyPr>
-          <a:lstStyle>
-            <a:lvl1pPr algn="ctr" defTabSz="457200" rtl="0" eaLnBrk="1" latinLnBrk="0" hangingPunct="1">
-              <a:spcBef>
-                <a:spcPct val="0"/>
-              </a:spcBef>
-              <a:buNone/>
-              <a:defRPr sz="4400" kern="1200">
-                <a:solidFill>
-                  <a:schemeClr val="tx1"/>
-                </a:solidFill>
-                <a:latin typeface="+mj-lt"/>
-                <a:ea typeface="+mj-ea"/>
-                <a:cs typeface="+mj-cs"/>
-              </a:defRPr>
-            </a:lvl1pPr>
-          </a:lstStyle>
-          <a:p>
-            <a:r>
-              <a:rPr lang="en-US" dirty="0" smtClean="0"/>
-              <a:t>Statistics </a:t>
-            </a:r>
-            <a:r>
-              <a:rPr lang="en-US" dirty="0" smtClean="0">
-                <a:sym typeface="Wingdings"/>
-              </a:rPr>
-              <a:t> </a:t>
-            </a:r>
-            <a:r>
-              <a:rPr lang="en-US" dirty="0" smtClean="0"/>
-              <a:t>quantify the hunch</a:t>
-            </a:r>
-            <a:endParaRPr lang="en-US" dirty="0"/>
-          </a:p>
-        </p:txBody>
-      </p:sp>
-      <p:sp>
-        <p:nvSpPr>
-          <p:cNvPr id="5" name="Title 1"/>
-          <p:cNvSpPr txBox="1">
-            <a:spLocks/>
-          </p:cNvSpPr>
-          <p:nvPr/>
-        </p:nvSpPr>
-        <p:spPr>
-          <a:xfrm>
-            <a:off x="457200" y="4949192"/>
-            <a:ext cx="8229600" cy="1143000"/>
-          </a:xfrm>
-          <a:prstGeom prst="rect">
-            <a:avLst/>
-          </a:prstGeom>
-        </p:spPr>
-        <p:txBody>
-          <a:bodyPr vert="horz" lIns="91440" tIns="45720" rIns="91440" bIns="45720" rtlCol="0" anchor="ctr">
-            <a:normAutofit/>
-          </a:bodyPr>
-          <a:lstStyle>
-            <a:lvl1pPr algn="ctr" defTabSz="457200" rtl="0" eaLnBrk="1" latinLnBrk="0" hangingPunct="1">
-              <a:spcBef>
-                <a:spcPct val="0"/>
-              </a:spcBef>
-              <a:buNone/>
-              <a:defRPr sz="4400" kern="1200">
-                <a:solidFill>
-                  <a:schemeClr val="tx1"/>
-                </a:solidFill>
-                <a:latin typeface="+mj-lt"/>
-                <a:ea typeface="+mj-ea"/>
-                <a:cs typeface="+mj-cs"/>
-              </a:defRPr>
-            </a:lvl1pPr>
-          </a:lstStyle>
-          <a:p>
-            <a:r>
-              <a:rPr lang="en-US" dirty="0" smtClean="0"/>
-              <a:t>(Visualizations </a:t>
-            </a:r>
-            <a:r>
-              <a:rPr lang="en-US" dirty="0" smtClean="0">
-                <a:sym typeface="Wingdings"/>
-              </a:rPr>
-              <a:t> </a:t>
-            </a:r>
-            <a:r>
-              <a:rPr lang="en-US" dirty="0" smtClean="0"/>
-              <a:t>storytelling)</a:t>
-            </a:r>
-            <a:endParaRPr lang="en-US" dirty="0"/>
-          </a:p>
-        </p:txBody>
-      </p:sp>
-    </p:spTree>
-    <p:extLst>
-      <p:ext uri="{BB962C8B-B14F-4D97-AF65-F5344CB8AC3E}">
-        <p14:creationId xmlns:p14="http://schemas.microsoft.com/office/powerpoint/2010/main" val="1221609519"/>
-      </p:ext>
-    </p:extLst>
-  </p:cSld>
-  <p:clrMapOvr>
-    <a:masterClrMapping/>
-  </p:clrMapOvr>
-  <p:timing>
-    <p:tnLst>
-      <p:par>
-        <p:cTn xmlns:p14="http://schemas.microsoft.com/office/powerpoint/2010/main" id="1" dur="indefinite" restart="never" nodeType="tmRoot">
-          <p:childTnLst>
-            <p:seq concurrent="1" nextAc="seek">
-              <p:cTn id="2" dur="indefinite" nodeType="mainSeq">
-                <p:childTnLst>
-                  <p:par>
-                    <p:cTn id="3" fill="hold">
-                      <p:stCondLst>
-                        <p:cond delay="indefinite"/>
-                      </p:stCondLst>
-                      <p:childTnLst>
-                        <p:par>
-                          <p:cTn id="4" fill="hold">
-                            <p:stCondLst>
-                              <p:cond delay="0"/>
-                            </p:stCondLst>
-                            <p:childTnLst>
-                              <p:par>
-                                <p:cTn id="5" presetID="1" presetClass="entr" presetSubtype="0" fill="hold" grpId="0" nodeType="clickEffect">
-                                  <p:stCondLst>
-                                    <p:cond delay="0"/>
-                                  </p:stCondLst>
-                                  <p:childTnLst>
-                                    <p:set>
-                                      <p:cBhvr>
-                                        <p:cTn id="6" dur="1" fill="hold">
-                                          <p:stCondLst>
-                                            <p:cond delay="9"/>
-                                          </p:stCondLst>
-                                        </p:cTn>
-                                        <p:tgtEl>
-                                          <p:spTgt spid="3"/>
-                                        </p:tgtEl>
-                                        <p:attrNameLst>
-                                          <p:attrName>style.visibility</p:attrName>
-                                        </p:attrNameLst>
-                                      </p:cBhvr>
-                                      <p:to>
-                                        <p:strVal val="visible"/>
-                                      </p:to>
-                                    </p:set>
-                                  </p:childTnLst>
-                                </p:cTn>
-                              </p:par>
-                            </p:childTnLst>
-                          </p:cTn>
-                        </p:par>
-                      </p:childTnLst>
-                    </p:cTn>
-                  </p:par>
-                  <p:par>
-                    <p:cTn id="7" fill="hold">
-                      <p:stCondLst>
-                        <p:cond delay="indefinite"/>
-                      </p:stCondLst>
-                      <p:childTnLst>
-                        <p:par>
-                          <p:cTn id="8" fill="hold">
-                            <p:stCondLst>
-                              <p:cond delay="0"/>
-                            </p:stCondLst>
-                            <p:childTnLst>
-                              <p:par>
-                                <p:cTn id="9" presetID="1" presetClass="entr" presetSubtype="0" fill="hold" grpId="0" nodeType="clickEffect">
-                                  <p:stCondLst>
-                                    <p:cond delay="0"/>
-                                  </p:stCondLst>
-                                  <p:childTnLst>
-                                    <p:set>
-                                      <p:cBhvr>
-                                        <p:cTn id="10" dur="1" fill="hold">
-                                          <p:stCondLst>
-                                            <p:cond delay="9"/>
-                                          </p:stCondLst>
-                                        </p:cTn>
-                                        <p:tgtEl>
-                                          <p:spTgt spid="5"/>
-                                        </p:tgtEl>
-                                        <p:attrNameLst>
-                                          <p:attrName>style.visibility</p:attrName>
-                                        </p:attrNameLst>
-                                      </p:cBhvr>
-                                      <p:to>
-                                        <p:strVal val="visible"/>
-                                      </p:to>
-                                    </p:set>
-                                  </p:childTnLst>
-                                </p:cTn>
-                              </p:par>
-                            </p:childTnLst>
-                          </p:cTn>
-                        </p:par>
-                      </p:childTnLst>
-                    </p:cTn>
-                  </p:par>
-                </p:childTnLst>
-              </p:cTn>
-              <p:prevCondLst>
-                <p:cond evt="onPrev" delay="0">
-                  <p:tgtEl>
-                    <p:sldTgt/>
-                  </p:tgtEl>
-                </p:cond>
-              </p:prevCondLst>
-              <p:nextCondLst>
-                <p:cond evt="onNext" delay="0">
-                  <p:tgtEl>
-                    <p:sldTgt/>
-                  </p:tgtEl>
-                </p:cond>
-              </p:nextCondLst>
-            </p:seq>
-          </p:childTnLst>
-        </p:cTn>
-      </p:par>
-    </p:tnLst>
-    <p:bldLst>
-      <p:bldP spid="3" grpId="0"/>
-      <p:bldP spid="5" grpId="0"/>
-    </p:bldLst>
-  </p:timing>
-</p:sld>
-</file>
-
-<file path=ppt/slides/slide30.xml><?xml version="1.0" encoding="utf-8"?>
+<file path=ppt/slides/slide29.xml><?xml version="1.0" encoding="utf-8"?>
 <p:sld xmlns:a="http://schemas.openxmlformats.org/drawingml/2006/main" xmlns:r="http://schemas.openxmlformats.org/officeDocument/2006/relationships" xmlns:p="http://schemas.openxmlformats.org/presentationml/2006/main">
   <p:cSld>
     <p:spTree>
@@ -18850,7 +18445,311 @@
 </p:sld>
 </file>
 
-<file path=ppt/slides/slide31.xml><?xml version="1.0" encoding="utf-8"?>
+<file path=ppt/slides/slide3.xml><?xml version="1.0" encoding="utf-8"?>
+<p:sld xmlns:a="http://schemas.openxmlformats.org/drawingml/2006/main" xmlns:r="http://schemas.openxmlformats.org/officeDocument/2006/relationships" xmlns:p="http://schemas.openxmlformats.org/presentationml/2006/main">
+  <p:cSld>
+    <p:spTree>
+      <p:nvGrpSpPr>
+        <p:cNvPr id="1" name=""/>
+        <p:cNvGrpSpPr/>
+        <p:nvPr/>
+      </p:nvGrpSpPr>
+      <p:grpSpPr>
+        <a:xfrm>
+          <a:off x="0" y="0"/>
+          <a:ext cx="0" cy="0"/>
+          <a:chOff x="0" y="0"/>
+          <a:chExt cx="0" cy="0"/>
+        </a:xfrm>
+      </p:grpSpPr>
+      <p:sp>
+        <p:nvSpPr>
+          <p:cNvPr id="2" name="Title 1"/>
+          <p:cNvSpPr>
+            <a:spLocks noGrp="1"/>
+          </p:cNvSpPr>
+          <p:nvPr>
+            <p:ph type="title"/>
+          </p:nvPr>
+        </p:nvSpPr>
+        <p:spPr>
+          <a:xfrm>
+            <a:off x="457200" y="1030890"/>
+            <a:ext cx="8229600" cy="1143000"/>
+          </a:xfrm>
+        </p:spPr>
+        <p:txBody>
+          <a:bodyPr/>
+          <a:lstStyle/>
+          <a:p>
+            <a:r>
+              <a:rPr lang="en-US" dirty="0" smtClean="0"/>
+              <a:t>Visualizations </a:t>
+            </a:r>
+            <a:r>
+              <a:rPr lang="en-US" dirty="0" smtClean="0">
+                <a:sym typeface="Wingdings"/>
+              </a:rPr>
+              <a:t></a:t>
+            </a:r>
+            <a:r>
+              <a:rPr lang="en-US" dirty="0" smtClean="0"/>
+              <a:t> sanity check</a:t>
+            </a:r>
+            <a:endParaRPr lang="en-US" dirty="0"/>
+          </a:p>
+        </p:txBody>
+      </p:sp>
+      <p:sp>
+        <p:nvSpPr>
+          <p:cNvPr id="3" name="Title 1"/>
+          <p:cNvSpPr txBox="1">
+            <a:spLocks/>
+          </p:cNvSpPr>
+          <p:nvPr/>
+        </p:nvSpPr>
+        <p:spPr>
+          <a:xfrm>
+            <a:off x="457200" y="2978040"/>
+            <a:ext cx="8229600" cy="1143000"/>
+          </a:xfrm>
+          <a:prstGeom prst="rect">
+            <a:avLst/>
+          </a:prstGeom>
+        </p:spPr>
+        <p:txBody>
+          <a:bodyPr vert="horz" lIns="91440" tIns="45720" rIns="91440" bIns="45720" rtlCol="0" anchor="ctr">
+            <a:normAutofit/>
+          </a:bodyPr>
+          <a:lstStyle>
+            <a:lvl1pPr algn="ctr" defTabSz="457200" rtl="0" eaLnBrk="1" latinLnBrk="0" hangingPunct="1">
+              <a:spcBef>
+                <a:spcPct val="0"/>
+              </a:spcBef>
+              <a:buNone/>
+              <a:defRPr sz="4400" kern="1200">
+                <a:solidFill>
+                  <a:schemeClr val="tx1"/>
+                </a:solidFill>
+                <a:latin typeface="+mj-lt"/>
+                <a:ea typeface="+mj-ea"/>
+                <a:cs typeface="+mj-cs"/>
+              </a:defRPr>
+            </a:lvl1pPr>
+          </a:lstStyle>
+          <a:p>
+            <a:r>
+              <a:rPr lang="en-US" dirty="0" smtClean="0"/>
+              <a:t>Statistics </a:t>
+            </a:r>
+            <a:r>
+              <a:rPr lang="en-US" dirty="0" smtClean="0">
+                <a:sym typeface="Wingdings"/>
+              </a:rPr>
+              <a:t> </a:t>
+            </a:r>
+            <a:r>
+              <a:rPr lang="en-US" dirty="0" smtClean="0"/>
+              <a:t>quantify the hunch</a:t>
+            </a:r>
+            <a:endParaRPr lang="en-US" dirty="0"/>
+          </a:p>
+        </p:txBody>
+      </p:sp>
+      <p:sp>
+        <p:nvSpPr>
+          <p:cNvPr id="5" name="Title 1"/>
+          <p:cNvSpPr txBox="1">
+            <a:spLocks/>
+          </p:cNvSpPr>
+          <p:nvPr/>
+        </p:nvSpPr>
+        <p:spPr>
+          <a:xfrm>
+            <a:off x="457200" y="4949192"/>
+            <a:ext cx="8229600" cy="1143000"/>
+          </a:xfrm>
+          <a:prstGeom prst="rect">
+            <a:avLst/>
+          </a:prstGeom>
+        </p:spPr>
+        <p:txBody>
+          <a:bodyPr vert="horz" lIns="91440" tIns="45720" rIns="91440" bIns="45720" rtlCol="0" anchor="ctr">
+            <a:normAutofit/>
+          </a:bodyPr>
+          <a:lstStyle>
+            <a:lvl1pPr algn="ctr" defTabSz="457200" rtl="0" eaLnBrk="1" latinLnBrk="0" hangingPunct="1">
+              <a:spcBef>
+                <a:spcPct val="0"/>
+              </a:spcBef>
+              <a:buNone/>
+              <a:defRPr sz="4400" kern="1200">
+                <a:solidFill>
+                  <a:schemeClr val="tx1"/>
+                </a:solidFill>
+                <a:latin typeface="+mj-lt"/>
+                <a:ea typeface="+mj-ea"/>
+                <a:cs typeface="+mj-cs"/>
+              </a:defRPr>
+            </a:lvl1pPr>
+          </a:lstStyle>
+          <a:p>
+            <a:r>
+              <a:rPr lang="en-US" dirty="0" smtClean="0"/>
+              <a:t>(Visualizations </a:t>
+            </a:r>
+            <a:r>
+              <a:rPr lang="en-US" dirty="0" smtClean="0">
+                <a:sym typeface="Wingdings"/>
+              </a:rPr>
+              <a:t> </a:t>
+            </a:r>
+            <a:r>
+              <a:rPr lang="en-US" dirty="0" smtClean="0"/>
+              <a:t>storytelling)</a:t>
+            </a:r>
+            <a:endParaRPr lang="en-US" dirty="0"/>
+          </a:p>
+        </p:txBody>
+      </p:sp>
+    </p:spTree>
+    <p:extLst>
+      <p:ext uri="{BB962C8B-B14F-4D97-AF65-F5344CB8AC3E}">
+        <p14:creationId xmlns:p14="http://schemas.microsoft.com/office/powerpoint/2010/main" val="1221609519"/>
+      </p:ext>
+    </p:extLst>
+  </p:cSld>
+  <p:clrMapOvr>
+    <a:masterClrMapping/>
+  </p:clrMapOvr>
+  <p:timing>
+    <p:tnLst>
+      <p:par>
+        <p:cTn xmlns:p14="http://schemas.microsoft.com/office/powerpoint/2010/main" id="1" dur="indefinite" restart="never" nodeType="tmRoot">
+          <p:childTnLst>
+            <p:seq concurrent="1" nextAc="seek">
+              <p:cTn id="2" dur="indefinite" nodeType="mainSeq">
+                <p:childTnLst>
+                  <p:par>
+                    <p:cTn id="3" fill="hold">
+                      <p:stCondLst>
+                        <p:cond delay="indefinite"/>
+                      </p:stCondLst>
+                      <p:childTnLst>
+                        <p:par>
+                          <p:cTn id="4" fill="hold">
+                            <p:stCondLst>
+                              <p:cond delay="0"/>
+                            </p:stCondLst>
+                            <p:childTnLst>
+                              <p:par>
+                                <p:cTn id="5" presetID="1" presetClass="entr" presetSubtype="0" fill="hold" grpId="0" nodeType="clickEffect">
+                                  <p:stCondLst>
+                                    <p:cond delay="0"/>
+                                  </p:stCondLst>
+                                  <p:childTnLst>
+                                    <p:set>
+                                      <p:cBhvr>
+                                        <p:cTn id="6" dur="1" fill="hold">
+                                          <p:stCondLst>
+                                            <p:cond delay="9"/>
+                                          </p:stCondLst>
+                                        </p:cTn>
+                                        <p:tgtEl>
+                                          <p:spTgt spid="3"/>
+                                        </p:tgtEl>
+                                        <p:attrNameLst>
+                                          <p:attrName>style.visibility</p:attrName>
+                                        </p:attrNameLst>
+                                      </p:cBhvr>
+                                      <p:to>
+                                        <p:strVal val="visible"/>
+                                      </p:to>
+                                    </p:set>
+                                  </p:childTnLst>
+                                </p:cTn>
+                              </p:par>
+                            </p:childTnLst>
+                          </p:cTn>
+                        </p:par>
+                      </p:childTnLst>
+                    </p:cTn>
+                  </p:par>
+                  <p:par>
+                    <p:cTn id="7" fill="hold">
+                      <p:stCondLst>
+                        <p:cond delay="indefinite"/>
+                      </p:stCondLst>
+                      <p:childTnLst>
+                        <p:par>
+                          <p:cTn id="8" fill="hold">
+                            <p:stCondLst>
+                              <p:cond delay="0"/>
+                            </p:stCondLst>
+                            <p:childTnLst>
+                              <p:par>
+                                <p:cTn id="9" presetID="1" presetClass="entr" presetSubtype="0" fill="hold" grpId="0" nodeType="clickEffect">
+                                  <p:stCondLst>
+                                    <p:cond delay="0"/>
+                                  </p:stCondLst>
+                                  <p:childTnLst>
+                                    <p:set>
+                                      <p:cBhvr>
+                                        <p:cTn id="10" dur="1" fill="hold">
+                                          <p:stCondLst>
+                                            <p:cond delay="9"/>
+                                          </p:stCondLst>
+                                        </p:cTn>
+                                        <p:tgtEl>
+                                          <p:spTgt spid="5"/>
+                                        </p:tgtEl>
+                                        <p:attrNameLst>
+                                          <p:attrName>style.visibility</p:attrName>
+                                        </p:attrNameLst>
+                                      </p:cBhvr>
+                                      <p:to>
+                                        <p:strVal val="visible"/>
+                                      </p:to>
+                                    </p:set>
+                                  </p:childTnLst>
+                                </p:cTn>
+                              </p:par>
+                            </p:childTnLst>
+                          </p:cTn>
+                        </p:par>
+                      </p:childTnLst>
+                    </p:cTn>
+                  </p:par>
+                </p:childTnLst>
+              </p:cTn>
+              <p:prevCondLst>
+                <p:cond evt="onPrev" delay="0">
+                  <p:tgtEl>
+                    <p:sldTgt/>
+                  </p:tgtEl>
+                </p:cond>
+              </p:prevCondLst>
+              <p:nextCondLst>
+                <p:cond evt="onNext" delay="0">
+                  <p:tgtEl>
+                    <p:sldTgt/>
+                  </p:tgtEl>
+                </p:cond>
+              </p:nextCondLst>
+            </p:seq>
+          </p:childTnLst>
+        </p:cTn>
+      </p:par>
+    </p:tnLst>
+    <p:bldLst>
+      <p:bldP spid="3" grpId="0"/>
+      <p:bldP spid="5" grpId="0"/>
+    </p:bldLst>
+  </p:timing>
+</p:sld>
+</file>
+
+<file path=ppt/slides/slide30.xml><?xml version="1.0" encoding="utf-8"?>
 <p:sld xmlns:a="http://schemas.openxmlformats.org/drawingml/2006/main" xmlns:r="http://schemas.openxmlformats.org/officeDocument/2006/relationships" xmlns:p="http://schemas.openxmlformats.org/presentationml/2006/main">
   <p:cSld>
     <p:spTree>
@@ -19274,7 +19173,7 @@
 </p:sld>
 </file>
 
-<file path=ppt/slides/slide32.xml><?xml version="1.0" encoding="utf-8"?>
+<file path=ppt/slides/slide31.xml><?xml version="1.0" encoding="utf-8"?>
 <p:sld xmlns:a="http://schemas.openxmlformats.org/drawingml/2006/main" xmlns:r="http://schemas.openxmlformats.org/officeDocument/2006/relationships" xmlns:p="http://schemas.openxmlformats.org/presentationml/2006/main">
   <p:cSld>
     <p:spTree>
@@ -19334,68 +19233,7 @@
 </p:sld>
 </file>
 
-<file path=ppt/slides/slide33.xml><?xml version="1.0" encoding="utf-8"?>
-<p:sld xmlns:a="http://schemas.openxmlformats.org/drawingml/2006/main" xmlns:r="http://schemas.openxmlformats.org/officeDocument/2006/relationships" xmlns:p="http://schemas.openxmlformats.org/presentationml/2006/main">
-  <p:cSld>
-    <p:spTree>
-      <p:nvGrpSpPr>
-        <p:cNvPr id="1" name=""/>
-        <p:cNvGrpSpPr/>
-        <p:nvPr/>
-      </p:nvGrpSpPr>
-      <p:grpSpPr>
-        <a:xfrm>
-          <a:off x="0" y="0"/>
-          <a:ext cx="0" cy="0"/>
-          <a:chOff x="0" y="0"/>
-          <a:chExt cx="0" cy="0"/>
-        </a:xfrm>
-      </p:grpSpPr>
-      <p:pic>
-        <p:nvPicPr>
-          <p:cNvPr id="3" name="Picture 2"/>
-          <p:cNvPicPr>
-            <a:picLocks noChangeAspect="1"/>
-          </p:cNvPicPr>
-          <p:nvPr/>
-        </p:nvPicPr>
-        <p:blipFill>
-          <a:blip r:embed="rId3"/>
-          <a:stretch>
-            <a:fillRect/>
-          </a:stretch>
-        </p:blipFill>
-        <p:spPr>
-          <a:xfrm>
-            <a:off x="2489200" y="571500"/>
-            <a:ext cx="4152900" cy="5715000"/>
-          </a:xfrm>
-          <a:prstGeom prst="rect">
-            <a:avLst/>
-          </a:prstGeom>
-        </p:spPr>
-      </p:pic>
-    </p:spTree>
-    <p:extLst>
-      <p:ext uri="{BB962C8B-B14F-4D97-AF65-F5344CB8AC3E}">
-        <p14:creationId xmlns:p14="http://schemas.microsoft.com/office/powerpoint/2010/main" val="1964509211"/>
-      </p:ext>
-    </p:extLst>
-  </p:cSld>
-  <p:clrMapOvr>
-    <a:masterClrMapping/>
-  </p:clrMapOvr>
-  <p:timing>
-    <p:tnLst>
-      <p:par>
-        <p:cTn xmlns:p14="http://schemas.microsoft.com/office/powerpoint/2010/main" id="1" dur="indefinite" restart="never" nodeType="tmRoot"/>
-      </p:par>
-    </p:tnLst>
-  </p:timing>
-</p:sld>
-</file>
-
-<file path=ppt/slides/slide34.xml><?xml version="1.0" encoding="utf-8"?>
+<file path=ppt/slides/slide32.xml><?xml version="1.0" encoding="utf-8"?>
 <p:sld xmlns:a="http://schemas.openxmlformats.org/drawingml/2006/main" xmlns:r="http://schemas.openxmlformats.org/officeDocument/2006/relationships" xmlns:p="http://schemas.openxmlformats.org/presentationml/2006/main">
   <p:cSld>
     <p:spTree>
@@ -19571,7 +19409,68 @@
 </p:sld>
 </file>
 
-<file path=ppt/slides/slide35.xml><?xml version="1.0" encoding="utf-8"?>
+<file path=ppt/slides/slide33.xml><?xml version="1.0" encoding="utf-8"?>
+<p:sld xmlns:a="http://schemas.openxmlformats.org/drawingml/2006/main" xmlns:r="http://schemas.openxmlformats.org/officeDocument/2006/relationships" xmlns:p="http://schemas.openxmlformats.org/presentationml/2006/main">
+  <p:cSld>
+    <p:spTree>
+      <p:nvGrpSpPr>
+        <p:cNvPr id="1" name=""/>
+        <p:cNvGrpSpPr/>
+        <p:nvPr/>
+      </p:nvGrpSpPr>
+      <p:grpSpPr>
+        <a:xfrm>
+          <a:off x="0" y="0"/>
+          <a:ext cx="0" cy="0"/>
+          <a:chOff x="0" y="0"/>
+          <a:chExt cx="0" cy="0"/>
+        </a:xfrm>
+      </p:grpSpPr>
+      <p:pic>
+        <p:nvPicPr>
+          <p:cNvPr id="3" name="Picture 2"/>
+          <p:cNvPicPr>
+            <a:picLocks noChangeAspect="1"/>
+          </p:cNvPicPr>
+          <p:nvPr/>
+        </p:nvPicPr>
+        <p:blipFill>
+          <a:blip r:embed="rId3"/>
+          <a:stretch>
+            <a:fillRect/>
+          </a:stretch>
+        </p:blipFill>
+        <p:spPr>
+          <a:xfrm>
+            <a:off x="2489200" y="571500"/>
+            <a:ext cx="4152900" cy="5715000"/>
+          </a:xfrm>
+          <a:prstGeom prst="rect">
+            <a:avLst/>
+          </a:prstGeom>
+        </p:spPr>
+      </p:pic>
+    </p:spTree>
+    <p:extLst>
+      <p:ext uri="{BB962C8B-B14F-4D97-AF65-F5344CB8AC3E}">
+        <p14:creationId xmlns:p14="http://schemas.microsoft.com/office/powerpoint/2010/main" val="1964509211"/>
+      </p:ext>
+    </p:extLst>
+  </p:cSld>
+  <p:clrMapOvr>
+    <a:masterClrMapping/>
+  </p:clrMapOvr>
+  <p:timing>
+    <p:tnLst>
+      <p:par>
+        <p:cTn xmlns:p14="http://schemas.microsoft.com/office/powerpoint/2010/main" id="1" dur="indefinite" restart="never" nodeType="tmRoot"/>
+      </p:par>
+    </p:tnLst>
+  </p:timing>
+</p:sld>
+</file>
+
+<file path=ppt/slides/slide34.xml><?xml version="1.0" encoding="utf-8"?>
 <p:sld xmlns:a="http://schemas.openxmlformats.org/drawingml/2006/main" xmlns:r="http://schemas.openxmlformats.org/officeDocument/2006/relationships" xmlns:p="http://schemas.openxmlformats.org/presentationml/2006/main">
   <p:cSld>
     <p:spTree>
@@ -20159,7 +20058,7 @@
 </p:sld>
 </file>
 
-<file path=ppt/slides/slide36.xml><?xml version="1.0" encoding="utf-8"?>
+<file path=ppt/slides/slide35.xml><?xml version="1.0" encoding="utf-8"?>
 <p:sld xmlns:a="http://schemas.openxmlformats.org/drawingml/2006/main" xmlns:r="http://schemas.openxmlformats.org/officeDocument/2006/relationships" xmlns:p="http://schemas.openxmlformats.org/presentationml/2006/main">
   <p:cSld>
     <p:spTree>
